--- a/Session 29.11.16 Github Setup Doro Hodapp.pptx
+++ b/Session 29.11.16 Github Setup Doro Hodapp.pptx
@@ -9,12 +9,11 @@
     <p:sldId id="262" r:id="rId3"/>
     <p:sldId id="260" r:id="rId4"/>
     <p:sldId id="256" r:id="rId5"/>
-    <p:sldId id="264" r:id="rId6"/>
-    <p:sldId id="257" r:id="rId7"/>
-    <p:sldId id="259" r:id="rId8"/>
-    <p:sldId id="261" r:id="rId9"/>
-    <p:sldId id="265" r:id="rId10"/>
-    <p:sldId id="266" r:id="rId11"/>
+    <p:sldId id="257" r:id="rId6"/>
+    <p:sldId id="259" r:id="rId7"/>
+    <p:sldId id="261" r:id="rId8"/>
+    <p:sldId id="265" r:id="rId9"/>
+    <p:sldId id="266" r:id="rId10"/>
   </p:sldIdLst>
   <p:sldSz cx="12192000" cy="6858000"/>
   <p:notesSz cx="6858000" cy="9144000"/>
@@ -115,7 +114,7 @@
   </p:defaultTextStyle>
   <p:extLst>
     <p:ext uri="{EFAFB233-063F-42B5-8137-9DF3F51BA10A}">
-      <p15:sldGuideLst xmlns:p15="http://schemas.microsoft.com/office/powerpoint/2012/main"/>
+      <p15:sldGuideLst xmlns:p15="http://schemas.microsoft.com/office/powerpoint/2012/main" xmlns=""/>
     </p:ext>
   </p:extLst>
 </p:presentation>
@@ -252,7 +251,8 @@
           <a:p>
             <a:fld id="{36DAC027-BE1D-4AE5-9DBA-B3E9B0AFDABB}" type="datetimeFigureOut">
               <a:rPr lang="en-GB" smtClean="0"/>
-              <a:t>28/11/2016</a:t>
+              <a:pPr/>
+              <a:t>30/11/2016</a:t>
             </a:fld>
             <a:endParaRPr lang="en-GB"/>
           </a:p>
@@ -294,6 +294,7 @@
           <a:p>
             <a:fld id="{23B5A987-5D3E-4350-8E71-5F313988D894}" type="slidenum">
               <a:rPr lang="en-GB" smtClean="0"/>
+              <a:pPr/>
               <a:t>‹Nr.›</a:t>
             </a:fld>
             <a:endParaRPr lang="en-GB"/>
@@ -303,7 +304,7 @@
     </p:spTree>
     <p:extLst>
       <p:ext uri="{BB962C8B-B14F-4D97-AF65-F5344CB8AC3E}">
-        <p14:creationId xmlns:p14="http://schemas.microsoft.com/office/powerpoint/2010/main" val="415728504"/>
+        <p14:creationId xmlns:p14="http://schemas.microsoft.com/office/powerpoint/2010/main" xmlns="" val="415728504"/>
       </p:ext>
     </p:extLst>
   </p:cSld>
@@ -422,7 +423,8 @@
           <a:p>
             <a:fld id="{36DAC027-BE1D-4AE5-9DBA-B3E9B0AFDABB}" type="datetimeFigureOut">
               <a:rPr lang="en-GB" smtClean="0"/>
-              <a:t>28/11/2016</a:t>
+              <a:pPr/>
+              <a:t>30/11/2016</a:t>
             </a:fld>
             <a:endParaRPr lang="en-GB"/>
           </a:p>
@@ -464,6 +466,7 @@
           <a:p>
             <a:fld id="{23B5A987-5D3E-4350-8E71-5F313988D894}" type="slidenum">
               <a:rPr lang="en-GB" smtClean="0"/>
+              <a:pPr/>
               <a:t>‹Nr.›</a:t>
             </a:fld>
             <a:endParaRPr lang="en-GB"/>
@@ -473,7 +476,7 @@
     </p:spTree>
     <p:extLst>
       <p:ext uri="{BB962C8B-B14F-4D97-AF65-F5344CB8AC3E}">
-        <p14:creationId xmlns:p14="http://schemas.microsoft.com/office/powerpoint/2010/main" val="3732927915"/>
+        <p14:creationId xmlns:p14="http://schemas.microsoft.com/office/powerpoint/2010/main" xmlns="" val="3732927915"/>
       </p:ext>
     </p:extLst>
   </p:cSld>
@@ -602,7 +605,8 @@
           <a:p>
             <a:fld id="{36DAC027-BE1D-4AE5-9DBA-B3E9B0AFDABB}" type="datetimeFigureOut">
               <a:rPr lang="en-GB" smtClean="0"/>
-              <a:t>28/11/2016</a:t>
+              <a:pPr/>
+              <a:t>30/11/2016</a:t>
             </a:fld>
             <a:endParaRPr lang="en-GB"/>
           </a:p>
@@ -644,6 +648,7 @@
           <a:p>
             <a:fld id="{23B5A987-5D3E-4350-8E71-5F313988D894}" type="slidenum">
               <a:rPr lang="en-GB" smtClean="0"/>
+              <a:pPr/>
               <a:t>‹Nr.›</a:t>
             </a:fld>
             <a:endParaRPr lang="en-GB"/>
@@ -653,7 +658,7 @@
     </p:spTree>
     <p:extLst>
       <p:ext uri="{BB962C8B-B14F-4D97-AF65-F5344CB8AC3E}">
-        <p14:creationId xmlns:p14="http://schemas.microsoft.com/office/powerpoint/2010/main" val="1390602474"/>
+        <p14:creationId xmlns:p14="http://schemas.microsoft.com/office/powerpoint/2010/main" xmlns="" val="1390602474"/>
       </p:ext>
     </p:extLst>
   </p:cSld>
@@ -772,7 +777,8 @@
           <a:p>
             <a:fld id="{36DAC027-BE1D-4AE5-9DBA-B3E9B0AFDABB}" type="datetimeFigureOut">
               <a:rPr lang="en-GB" smtClean="0"/>
-              <a:t>28/11/2016</a:t>
+              <a:pPr/>
+              <a:t>30/11/2016</a:t>
             </a:fld>
             <a:endParaRPr lang="en-GB"/>
           </a:p>
@@ -814,6 +820,7 @@
           <a:p>
             <a:fld id="{23B5A987-5D3E-4350-8E71-5F313988D894}" type="slidenum">
               <a:rPr lang="en-GB" smtClean="0"/>
+              <a:pPr/>
               <a:t>‹Nr.›</a:t>
             </a:fld>
             <a:endParaRPr lang="en-GB"/>
@@ -823,7 +830,7 @@
     </p:spTree>
     <p:extLst>
       <p:ext uri="{BB962C8B-B14F-4D97-AF65-F5344CB8AC3E}">
-        <p14:creationId xmlns:p14="http://schemas.microsoft.com/office/powerpoint/2010/main" val="502356255"/>
+        <p14:creationId xmlns:p14="http://schemas.microsoft.com/office/powerpoint/2010/main" xmlns="" val="502356255"/>
       </p:ext>
     </p:extLst>
   </p:cSld>
@@ -1018,7 +1025,8 @@
           <a:p>
             <a:fld id="{36DAC027-BE1D-4AE5-9DBA-B3E9B0AFDABB}" type="datetimeFigureOut">
               <a:rPr lang="en-GB" smtClean="0"/>
-              <a:t>28/11/2016</a:t>
+              <a:pPr/>
+              <a:t>30/11/2016</a:t>
             </a:fld>
             <a:endParaRPr lang="en-GB"/>
           </a:p>
@@ -1060,6 +1068,7 @@
           <a:p>
             <a:fld id="{23B5A987-5D3E-4350-8E71-5F313988D894}" type="slidenum">
               <a:rPr lang="en-GB" smtClean="0"/>
+              <a:pPr/>
               <a:t>‹Nr.›</a:t>
             </a:fld>
             <a:endParaRPr lang="en-GB"/>
@@ -1069,7 +1078,7 @@
     </p:spTree>
     <p:extLst>
       <p:ext uri="{BB962C8B-B14F-4D97-AF65-F5344CB8AC3E}">
-        <p14:creationId xmlns:p14="http://schemas.microsoft.com/office/powerpoint/2010/main" val="1503826237"/>
+        <p14:creationId xmlns:p14="http://schemas.microsoft.com/office/powerpoint/2010/main" xmlns="" val="1503826237"/>
       </p:ext>
     </p:extLst>
   </p:cSld>
@@ -1250,7 +1259,8 @@
           <a:p>
             <a:fld id="{36DAC027-BE1D-4AE5-9DBA-B3E9B0AFDABB}" type="datetimeFigureOut">
               <a:rPr lang="en-GB" smtClean="0"/>
-              <a:t>28/11/2016</a:t>
+              <a:pPr/>
+              <a:t>30/11/2016</a:t>
             </a:fld>
             <a:endParaRPr lang="en-GB"/>
           </a:p>
@@ -1292,6 +1302,7 @@
           <a:p>
             <a:fld id="{23B5A987-5D3E-4350-8E71-5F313988D894}" type="slidenum">
               <a:rPr lang="en-GB" smtClean="0"/>
+              <a:pPr/>
               <a:t>‹Nr.›</a:t>
             </a:fld>
             <a:endParaRPr lang="en-GB"/>
@@ -1301,7 +1312,7 @@
     </p:spTree>
     <p:extLst>
       <p:ext uri="{BB962C8B-B14F-4D97-AF65-F5344CB8AC3E}">
-        <p14:creationId xmlns:p14="http://schemas.microsoft.com/office/powerpoint/2010/main" val="270723632"/>
+        <p14:creationId xmlns:p14="http://schemas.microsoft.com/office/powerpoint/2010/main" xmlns="" val="270723632"/>
       </p:ext>
     </p:extLst>
   </p:cSld>
@@ -1617,7 +1628,8 @@
           <a:p>
             <a:fld id="{36DAC027-BE1D-4AE5-9DBA-B3E9B0AFDABB}" type="datetimeFigureOut">
               <a:rPr lang="en-GB" smtClean="0"/>
-              <a:t>28/11/2016</a:t>
+              <a:pPr/>
+              <a:t>30/11/2016</a:t>
             </a:fld>
             <a:endParaRPr lang="en-GB"/>
           </a:p>
@@ -1659,6 +1671,7 @@
           <a:p>
             <a:fld id="{23B5A987-5D3E-4350-8E71-5F313988D894}" type="slidenum">
               <a:rPr lang="en-GB" smtClean="0"/>
+              <a:pPr/>
               <a:t>‹Nr.›</a:t>
             </a:fld>
             <a:endParaRPr lang="en-GB"/>
@@ -1668,7 +1681,7 @@
     </p:spTree>
     <p:extLst>
       <p:ext uri="{BB962C8B-B14F-4D97-AF65-F5344CB8AC3E}">
-        <p14:creationId xmlns:p14="http://schemas.microsoft.com/office/powerpoint/2010/main" val="1589258936"/>
+        <p14:creationId xmlns:p14="http://schemas.microsoft.com/office/powerpoint/2010/main" xmlns="" val="1589258936"/>
       </p:ext>
     </p:extLst>
   </p:cSld>
@@ -1735,7 +1748,8 @@
           <a:p>
             <a:fld id="{36DAC027-BE1D-4AE5-9DBA-B3E9B0AFDABB}" type="datetimeFigureOut">
               <a:rPr lang="en-GB" smtClean="0"/>
-              <a:t>28/11/2016</a:t>
+              <a:pPr/>
+              <a:t>30/11/2016</a:t>
             </a:fld>
             <a:endParaRPr lang="en-GB"/>
           </a:p>
@@ -1777,6 +1791,7 @@
           <a:p>
             <a:fld id="{23B5A987-5D3E-4350-8E71-5F313988D894}" type="slidenum">
               <a:rPr lang="en-GB" smtClean="0"/>
+              <a:pPr/>
               <a:t>‹Nr.›</a:t>
             </a:fld>
             <a:endParaRPr lang="en-GB"/>
@@ -1786,7 +1801,7 @@
     </p:spTree>
     <p:extLst>
       <p:ext uri="{BB962C8B-B14F-4D97-AF65-F5344CB8AC3E}">
-        <p14:creationId xmlns:p14="http://schemas.microsoft.com/office/powerpoint/2010/main" val="3910366260"/>
+        <p14:creationId xmlns:p14="http://schemas.microsoft.com/office/powerpoint/2010/main" xmlns="" val="3910366260"/>
       </p:ext>
     </p:extLst>
   </p:cSld>
@@ -1830,7 +1845,8 @@
           <a:p>
             <a:fld id="{36DAC027-BE1D-4AE5-9DBA-B3E9B0AFDABB}" type="datetimeFigureOut">
               <a:rPr lang="en-GB" smtClean="0"/>
-              <a:t>28/11/2016</a:t>
+              <a:pPr/>
+              <a:t>30/11/2016</a:t>
             </a:fld>
             <a:endParaRPr lang="en-GB"/>
           </a:p>
@@ -1872,6 +1888,7 @@
           <a:p>
             <a:fld id="{23B5A987-5D3E-4350-8E71-5F313988D894}" type="slidenum">
               <a:rPr lang="en-GB" smtClean="0"/>
+              <a:pPr/>
               <a:t>‹Nr.›</a:t>
             </a:fld>
             <a:endParaRPr lang="en-GB"/>
@@ -1881,7 +1898,7 @@
     </p:spTree>
     <p:extLst>
       <p:ext uri="{BB962C8B-B14F-4D97-AF65-F5344CB8AC3E}">
-        <p14:creationId xmlns:p14="http://schemas.microsoft.com/office/powerpoint/2010/main" val="1044929661"/>
+        <p14:creationId xmlns:p14="http://schemas.microsoft.com/office/powerpoint/2010/main" xmlns="" val="1044929661"/>
       </p:ext>
     </p:extLst>
   </p:cSld>
@@ -2107,7 +2124,8 @@
           <a:p>
             <a:fld id="{36DAC027-BE1D-4AE5-9DBA-B3E9B0AFDABB}" type="datetimeFigureOut">
               <a:rPr lang="en-GB" smtClean="0"/>
-              <a:t>28/11/2016</a:t>
+              <a:pPr/>
+              <a:t>30/11/2016</a:t>
             </a:fld>
             <a:endParaRPr lang="en-GB"/>
           </a:p>
@@ -2149,6 +2167,7 @@
           <a:p>
             <a:fld id="{23B5A987-5D3E-4350-8E71-5F313988D894}" type="slidenum">
               <a:rPr lang="en-GB" smtClean="0"/>
+              <a:pPr/>
               <a:t>‹Nr.›</a:t>
             </a:fld>
             <a:endParaRPr lang="en-GB"/>
@@ -2158,7 +2177,7 @@
     </p:spTree>
     <p:extLst>
       <p:ext uri="{BB962C8B-B14F-4D97-AF65-F5344CB8AC3E}">
-        <p14:creationId xmlns:p14="http://schemas.microsoft.com/office/powerpoint/2010/main" val="1254223241"/>
+        <p14:creationId xmlns:p14="http://schemas.microsoft.com/office/powerpoint/2010/main" xmlns="" val="1254223241"/>
       </p:ext>
     </p:extLst>
   </p:cSld>
@@ -2360,7 +2379,8 @@
           <a:p>
             <a:fld id="{36DAC027-BE1D-4AE5-9DBA-B3E9B0AFDABB}" type="datetimeFigureOut">
               <a:rPr lang="en-GB" smtClean="0"/>
-              <a:t>28/11/2016</a:t>
+              <a:pPr/>
+              <a:t>30/11/2016</a:t>
             </a:fld>
             <a:endParaRPr lang="en-GB"/>
           </a:p>
@@ -2402,6 +2422,7 @@
           <a:p>
             <a:fld id="{23B5A987-5D3E-4350-8E71-5F313988D894}" type="slidenum">
               <a:rPr lang="en-GB" smtClean="0"/>
+              <a:pPr/>
               <a:t>‹Nr.›</a:t>
             </a:fld>
             <a:endParaRPr lang="en-GB"/>
@@ -2411,7 +2432,7 @@
     </p:spTree>
     <p:extLst>
       <p:ext uri="{BB962C8B-B14F-4D97-AF65-F5344CB8AC3E}">
-        <p14:creationId xmlns:p14="http://schemas.microsoft.com/office/powerpoint/2010/main" val="41887728"/>
+        <p14:creationId xmlns:p14="http://schemas.microsoft.com/office/powerpoint/2010/main" xmlns="" val="41887728"/>
       </p:ext>
     </p:extLst>
   </p:cSld>
@@ -2573,7 +2594,8 @@
           <a:p>
             <a:fld id="{36DAC027-BE1D-4AE5-9DBA-B3E9B0AFDABB}" type="datetimeFigureOut">
               <a:rPr lang="en-GB" smtClean="0"/>
-              <a:t>28/11/2016</a:t>
+              <a:pPr/>
+              <a:t>30/11/2016</a:t>
             </a:fld>
             <a:endParaRPr lang="en-GB"/>
           </a:p>
@@ -2651,6 +2673,7 @@
           <a:p>
             <a:fld id="{23B5A987-5D3E-4350-8E71-5F313988D894}" type="slidenum">
               <a:rPr lang="en-GB" smtClean="0"/>
+              <a:pPr/>
               <a:t>‹Nr.›</a:t>
             </a:fld>
             <a:endParaRPr lang="en-GB"/>
@@ -2660,7 +2683,7 @@
     </p:spTree>
     <p:extLst>
       <p:ext uri="{BB962C8B-B14F-4D97-AF65-F5344CB8AC3E}">
-        <p14:creationId xmlns:p14="http://schemas.microsoft.com/office/powerpoint/2010/main" val="1342970905"/>
+        <p14:creationId xmlns:p14="http://schemas.microsoft.com/office/powerpoint/2010/main" xmlns="" val="1342970905"/>
       </p:ext>
     </p:extLst>
   </p:cSld>
@@ -3082,10 +3105,10 @@
           <p:nvPr/>
         </p:nvPicPr>
         <p:blipFill>
-          <a:blip r:embed="rId2">
+          <a:blip r:embed="rId2" cstate="print">
             <a:extLst>
               <a:ext uri="{28A0092B-C50C-407E-A947-70E740481C1C}">
-                <a14:useLocalDpi xmlns:a14="http://schemas.microsoft.com/office/drawing/2010/main" val="0"/>
+                <a14:useLocalDpi xmlns:a14="http://schemas.microsoft.com/office/drawing/2010/main" xmlns="" val="0"/>
               </a:ext>
             </a:extLst>
           </a:blip>
@@ -3105,7 +3128,7 @@
           <a:noFill/>
           <a:extLst>
             <a:ext uri="{909E8E84-426E-40DD-AFC4-6F175D3DCCD1}">
-              <a14:hiddenFill xmlns:a14="http://schemas.microsoft.com/office/drawing/2010/main">
+              <a14:hiddenFill xmlns:a14="http://schemas.microsoft.com/office/drawing/2010/main" xmlns="">
                 <a:solidFill>
                   <a:srgbClr val="FFFFFF"/>
                 </a:solidFill>
@@ -3126,7 +3149,7 @@
           <a:blip r:embed="rId3" cstate="print">
             <a:extLst>
               <a:ext uri="{28A0092B-C50C-407E-A947-70E740481C1C}">
-                <a14:useLocalDpi xmlns:a14="http://schemas.microsoft.com/office/drawing/2010/main" val="0"/>
+                <a14:useLocalDpi xmlns:a14="http://schemas.microsoft.com/office/drawing/2010/main" xmlns="" val="0"/>
               </a:ext>
             </a:extLst>
           </a:blip>
@@ -3146,7 +3169,7 @@
           <a:noFill/>
           <a:extLst>
             <a:ext uri="{909E8E84-426E-40DD-AFC4-6F175D3DCCD1}">
-              <a14:hiddenFill xmlns:a14="http://schemas.microsoft.com/office/drawing/2010/main">
+              <a14:hiddenFill xmlns:a14="http://schemas.microsoft.com/office/drawing/2010/main" xmlns="">
                 <a:solidFill>
                   <a:srgbClr val="FFFFFF"/>
                 </a:solidFill>
@@ -3167,7 +3190,7 @@
           <a:blip r:embed="rId4" cstate="print">
             <a:extLst>
               <a:ext uri="{28A0092B-C50C-407E-A947-70E740481C1C}">
-                <a14:useLocalDpi xmlns:a14="http://schemas.microsoft.com/office/drawing/2010/main" val="0"/>
+                <a14:useLocalDpi xmlns:a14="http://schemas.microsoft.com/office/drawing/2010/main" xmlns="" val="0"/>
               </a:ext>
             </a:extLst>
           </a:blip>
@@ -3187,7 +3210,7 @@
           <a:noFill/>
           <a:extLst>
             <a:ext uri="{909E8E84-426E-40DD-AFC4-6F175D3DCCD1}">
-              <a14:hiddenFill xmlns:a14="http://schemas.microsoft.com/office/drawing/2010/main">
+              <a14:hiddenFill xmlns:a14="http://schemas.microsoft.com/office/drawing/2010/main" xmlns="">
                 <a:solidFill>
                   <a:srgbClr val="FFFFFF"/>
                 </a:solidFill>
@@ -3260,371 +3283,7 @@
     </p:spTree>
     <p:extLst>
       <p:ext uri="{BB962C8B-B14F-4D97-AF65-F5344CB8AC3E}">
-        <p14:creationId xmlns:p14="http://schemas.microsoft.com/office/powerpoint/2010/main" val="1685329959"/>
-      </p:ext>
-    </p:extLst>
-  </p:cSld>
-  <p:clrMapOvr>
-    <a:masterClrMapping/>
-  </p:clrMapOvr>
-</p:sld>
-</file>
-
-<file path=ppt/slides/slide10.xml><?xml version="1.0" encoding="utf-8"?>
-<p:sld xmlns:a="http://schemas.openxmlformats.org/drawingml/2006/main" xmlns:r="http://schemas.openxmlformats.org/officeDocument/2006/relationships" xmlns:p="http://schemas.openxmlformats.org/presentationml/2006/main">
-  <p:cSld>
-    <p:spTree>
-      <p:nvGrpSpPr>
-        <p:cNvPr id="1" name=""/>
-        <p:cNvGrpSpPr/>
-        <p:nvPr/>
-      </p:nvGrpSpPr>
-      <p:grpSpPr>
-        <a:xfrm>
-          <a:off x="0" y="0"/>
-          <a:ext cx="0" cy="0"/>
-          <a:chOff x="0" y="0"/>
-          <a:chExt cx="0" cy="0"/>
-        </a:xfrm>
-      </p:grpSpPr>
-      <p:sp>
-        <p:nvSpPr>
-          <p:cNvPr id="2" name="Titel 1"/>
-          <p:cNvSpPr>
-            <a:spLocks noGrp="1"/>
-          </p:cNvSpPr>
-          <p:nvPr>
-            <p:ph type="title"/>
-          </p:nvPr>
-        </p:nvSpPr>
-        <p:spPr/>
-        <p:txBody>
-          <a:bodyPr/>
-          <a:lstStyle/>
-          <a:p>
-            <a:r>
-              <a:rPr lang="de-DE" dirty="0" smtClean="0"/>
-              <a:t>Setup </a:t>
-            </a:r>
-            <a:r>
-              <a:rPr lang="de-DE" dirty="0" err="1" smtClean="0"/>
-              <a:t>of</a:t>
-            </a:r>
-            <a:r>
-              <a:rPr lang="de-DE" dirty="0" smtClean="0"/>
-              <a:t> </a:t>
-            </a:r>
-            <a:r>
-              <a:rPr lang="de-DE" dirty="0" err="1" smtClean="0"/>
-              <a:t>Github</a:t>
-            </a:r>
-            <a:r>
-              <a:rPr lang="de-DE" dirty="0" smtClean="0"/>
-              <a:t> on a Mac</a:t>
-            </a:r>
-            <a:endParaRPr lang="en-GB" dirty="0"/>
-          </a:p>
-        </p:txBody>
-      </p:sp>
-      <p:sp>
-        <p:nvSpPr>
-          <p:cNvPr id="5" name="Textfeld 4"/>
-          <p:cNvSpPr txBox="1"/>
-          <p:nvPr/>
-        </p:nvSpPr>
-        <p:spPr>
-          <a:xfrm>
-            <a:off x="838200" y="1950123"/>
-            <a:ext cx="10363200" cy="5909310"/>
-          </a:xfrm>
-          <a:prstGeom prst="rect">
-            <a:avLst/>
-          </a:prstGeom>
-          <a:noFill/>
-        </p:spPr>
-        <p:txBody>
-          <a:bodyPr wrap="square" rtlCol="0">
-            <a:spAutoFit/>
-          </a:bodyPr>
-          <a:lstStyle/>
-          <a:p>
-            <a:r>
-              <a:rPr lang="en-US" altLang="en-US" dirty="0" smtClean="0">
-                <a:latin typeface="Arial" panose="020B0604020202020204" pitchFamily="34" charset="0"/>
-              </a:rPr>
-              <a:t>The </a:t>
-            </a:r>
-            <a:r>
-              <a:rPr lang="en-US" altLang="en-US" dirty="0">
-                <a:latin typeface="Arial" panose="020B0604020202020204" pitchFamily="34" charset="0"/>
-              </a:rPr>
-              <a:t>default shell in all versions of Mac OS X is Bash, so no need to install anything. You access Bash from the Terminal (found in </a:t>
-            </a:r>
-            <a:r>
-              <a:rPr lang="en-US" altLang="en-US" dirty="0">
-                <a:latin typeface="Arial Unicode MS" panose="020B0604020202020204" pitchFamily="34" charset="-128"/>
-              </a:rPr>
-              <a:t>/Applications/Utilities</a:t>
-            </a:r>
-            <a:r>
-              <a:rPr lang="en-US" altLang="en-US" dirty="0"/>
-              <a:t>). </a:t>
-            </a:r>
-            <a:endParaRPr lang="en-US" altLang="en-US" dirty="0" smtClean="0"/>
-          </a:p>
-          <a:p>
-            <a:endParaRPr lang="en-US" altLang="en-US" dirty="0"/>
-          </a:p>
-          <a:p>
-            <a:endParaRPr lang="en-US" altLang="en-US" dirty="0" smtClean="0"/>
-          </a:p>
-          <a:p>
-            <a:r>
-              <a:rPr lang="en-US" altLang="en-US" b="1" dirty="0">
-                <a:latin typeface="Arial" panose="020B0604020202020204" pitchFamily="34" charset="0"/>
-              </a:rPr>
-              <a:t>For OS X 10.9 and higher</a:t>
-            </a:r>
-            <a:r>
-              <a:rPr lang="en-US" altLang="en-US" dirty="0">
-                <a:latin typeface="Arial" panose="020B0604020202020204" pitchFamily="34" charset="0"/>
-              </a:rPr>
-              <a:t>, install </a:t>
-            </a:r>
-            <a:r>
-              <a:rPr lang="en-US" altLang="en-US" dirty="0" err="1">
-                <a:latin typeface="Arial" panose="020B0604020202020204" pitchFamily="34" charset="0"/>
-              </a:rPr>
-              <a:t>Git</a:t>
-            </a:r>
-            <a:r>
-              <a:rPr lang="en-US" altLang="en-US" dirty="0">
-                <a:latin typeface="Arial" panose="020B0604020202020204" pitchFamily="34" charset="0"/>
-              </a:rPr>
-              <a:t> for Mac by downloading and running the most recent "mavericks" installer from </a:t>
-            </a:r>
-            <a:r>
-              <a:rPr lang="en-US" altLang="en-US" dirty="0" smtClean="0">
-                <a:latin typeface="Arial" panose="020B0604020202020204" pitchFamily="34" charset="0"/>
-              </a:rPr>
-              <a:t>here:</a:t>
-            </a:r>
-          </a:p>
-          <a:p>
-            <a:r>
-              <a:rPr lang="en-US" altLang="en-US" dirty="0">
-                <a:latin typeface="Arial" panose="020B0604020202020204" pitchFamily="34" charset="0"/>
-                <a:hlinkClick r:id="rId2"/>
-              </a:rPr>
-              <a:t>https://sourceforge.net/projects/git-osx-installer/files</a:t>
-            </a:r>
-            <a:r>
-              <a:rPr lang="en-US" altLang="en-US" dirty="0" smtClean="0">
-                <a:latin typeface="Arial" panose="020B0604020202020204" pitchFamily="34" charset="0"/>
-                <a:hlinkClick r:id="rId2"/>
-              </a:rPr>
-              <a:t>/</a:t>
-            </a:r>
-            <a:r>
-              <a:rPr lang="en-US" altLang="en-US" dirty="0" smtClean="0">
-                <a:latin typeface="Arial" panose="020B0604020202020204" pitchFamily="34" charset="0"/>
-              </a:rPr>
-              <a:t> </a:t>
-            </a:r>
-            <a:endParaRPr lang="en-US" altLang="en-US" dirty="0">
-              <a:latin typeface="Arial" panose="020B0604020202020204" pitchFamily="34" charset="0"/>
-            </a:endParaRPr>
-          </a:p>
-          <a:p>
-            <a:endParaRPr lang="en-US" altLang="en-US" dirty="0" smtClean="0">
-              <a:latin typeface="Arial" panose="020B0604020202020204" pitchFamily="34" charset="0"/>
-            </a:endParaRPr>
-          </a:p>
-          <a:p>
-            <a:r>
-              <a:rPr lang="en-US" altLang="en-US" dirty="0" smtClean="0">
-                <a:latin typeface="Arial" panose="020B0604020202020204" pitchFamily="34" charset="0"/>
-              </a:rPr>
-              <a:t>After </a:t>
-            </a:r>
-            <a:r>
-              <a:rPr lang="en-US" altLang="en-US" dirty="0">
-                <a:latin typeface="Arial" panose="020B0604020202020204" pitchFamily="34" charset="0"/>
-              </a:rPr>
-              <a:t>installing </a:t>
-            </a:r>
-            <a:r>
-              <a:rPr lang="en-US" altLang="en-US" dirty="0" err="1">
-                <a:latin typeface="Arial" panose="020B0604020202020204" pitchFamily="34" charset="0"/>
-              </a:rPr>
-              <a:t>Git</a:t>
-            </a:r>
-            <a:r>
-              <a:rPr lang="en-US" altLang="en-US" dirty="0">
-                <a:latin typeface="Arial" panose="020B0604020202020204" pitchFamily="34" charset="0"/>
-              </a:rPr>
-              <a:t>, there will not be anything in your </a:t>
-            </a:r>
-            <a:r>
-              <a:rPr lang="en-US" altLang="en-US" dirty="0">
-                <a:latin typeface="Courier New" panose="02070309020205020404" pitchFamily="49" charset="0"/>
-                <a:cs typeface="Courier New" panose="02070309020205020404" pitchFamily="49" charset="0"/>
-              </a:rPr>
-              <a:t>/Applications </a:t>
-            </a:r>
-            <a:r>
-              <a:rPr lang="en-US" altLang="en-US" dirty="0"/>
-              <a:t>folder</a:t>
-            </a:r>
-            <a:r>
-              <a:rPr lang="en-US" altLang="en-US" sz="1100" dirty="0"/>
-              <a:t>, </a:t>
-            </a:r>
-            <a:r>
-              <a:rPr lang="en-US" altLang="en-US" dirty="0"/>
-              <a:t>as </a:t>
-            </a:r>
-            <a:r>
-              <a:rPr lang="en-US" altLang="en-US" dirty="0" err="1"/>
-              <a:t>Git</a:t>
-            </a:r>
-            <a:r>
-              <a:rPr lang="en-US" altLang="en-US" dirty="0"/>
-              <a:t> is a command line program. Also, please install the </a:t>
-            </a:r>
-            <a:r>
-              <a:rPr lang="en-US" altLang="en-US" dirty="0" err="1">
-                <a:latin typeface="Arial" panose="020B0604020202020204" pitchFamily="34" charset="0"/>
-              </a:rPr>
-              <a:t>Github</a:t>
-            </a:r>
-            <a:r>
-              <a:rPr lang="en-US" altLang="en-US" dirty="0">
-                <a:latin typeface="Arial" panose="020B0604020202020204" pitchFamily="34" charset="0"/>
-              </a:rPr>
-              <a:t> Desktop a</a:t>
-            </a:r>
-            <a:r>
-              <a:rPr lang="en-US" altLang="en-US" dirty="0" smtClean="0">
-                <a:latin typeface="Arial" panose="020B0604020202020204" pitchFamily="34" charset="0"/>
-              </a:rPr>
-              <a:t>pp</a:t>
-            </a:r>
-            <a:r>
-              <a:rPr lang="en-US" altLang="en-US" dirty="0">
-                <a:latin typeface="Arial" panose="020B0604020202020204" pitchFamily="34" charset="0"/>
-              </a:rPr>
-              <a:t>. </a:t>
-            </a:r>
-            <a:endParaRPr lang="en-US" altLang="en-US" dirty="0" smtClean="0">
-              <a:latin typeface="Arial" panose="020B0604020202020204" pitchFamily="34" charset="0"/>
-            </a:endParaRPr>
-          </a:p>
-          <a:p>
-            <a:endParaRPr lang="en-US" altLang="en-US" b="1" dirty="0">
-              <a:latin typeface="Arial" panose="020B0604020202020204" pitchFamily="34" charset="0"/>
-            </a:endParaRPr>
-          </a:p>
-          <a:p>
-            <a:r>
-              <a:rPr lang="en-US" altLang="en-US" b="1" dirty="0" smtClean="0">
-                <a:latin typeface="Arial" panose="020B0604020202020204" pitchFamily="34" charset="0"/>
-              </a:rPr>
-              <a:t>For </a:t>
-            </a:r>
-            <a:r>
-              <a:rPr lang="en-US" altLang="en-US" b="1" dirty="0">
-                <a:latin typeface="Arial" panose="020B0604020202020204" pitchFamily="34" charset="0"/>
-              </a:rPr>
-              <a:t>older versions of OS X (10.5-10.8)</a:t>
-            </a:r>
-            <a:r>
-              <a:rPr lang="en-US" altLang="en-US" dirty="0">
-                <a:latin typeface="Arial" panose="020B0604020202020204" pitchFamily="34" charset="0"/>
-              </a:rPr>
-              <a:t> use the most recent available installer labelled "snow-leopard" </a:t>
-            </a:r>
-            <a:r>
-              <a:rPr lang="en-US" altLang="en-US" dirty="0" smtClean="0">
-                <a:latin typeface="Arial" panose="020B0604020202020204" pitchFamily="34" charset="0"/>
-              </a:rPr>
-              <a:t>available here: </a:t>
-            </a:r>
-          </a:p>
-          <a:p>
-            <a:r>
-              <a:rPr lang="en-US" altLang="en-US" dirty="0">
-                <a:latin typeface="Arial" panose="020B0604020202020204" pitchFamily="34" charset="0"/>
-                <a:hlinkClick r:id="rId2"/>
-              </a:rPr>
-              <a:t>https://sourceforge.net/projects/git-osx-installer/files</a:t>
-            </a:r>
-            <a:r>
-              <a:rPr lang="en-US" altLang="en-US" dirty="0" smtClean="0">
-                <a:latin typeface="Arial" panose="020B0604020202020204" pitchFamily="34" charset="0"/>
-                <a:hlinkClick r:id="rId2"/>
-              </a:rPr>
-              <a:t>/</a:t>
-            </a:r>
-            <a:r>
-              <a:rPr lang="en-US" altLang="en-US" dirty="0" smtClean="0">
-                <a:latin typeface="Arial" panose="020B0604020202020204" pitchFamily="34" charset="0"/>
-              </a:rPr>
-              <a:t> </a:t>
-            </a:r>
-            <a:endParaRPr lang="en-US" altLang="en-US" dirty="0">
-              <a:latin typeface="Arial" panose="020B0604020202020204" pitchFamily="34" charset="0"/>
-            </a:endParaRPr>
-          </a:p>
-          <a:p>
-            <a:endParaRPr lang="en-US" altLang="en-US" dirty="0">
-              <a:latin typeface="Arial" panose="020B0604020202020204" pitchFamily="34" charset="0"/>
-            </a:endParaRPr>
-          </a:p>
-          <a:p>
-            <a:r>
-              <a:rPr lang="en-US" altLang="en-US" dirty="0" smtClean="0">
-                <a:latin typeface="Arial" panose="020B0604020202020204" pitchFamily="34" charset="0"/>
-              </a:rPr>
-              <a:t>Then also install the </a:t>
-            </a:r>
-            <a:r>
-              <a:rPr lang="en-US" altLang="en-US" dirty="0" err="1" smtClean="0">
-                <a:latin typeface="Arial" panose="020B0604020202020204" pitchFamily="34" charset="0"/>
-              </a:rPr>
-              <a:t>Github</a:t>
-            </a:r>
-            <a:r>
-              <a:rPr lang="en-US" altLang="en-US" dirty="0" smtClean="0">
-                <a:latin typeface="Arial" panose="020B0604020202020204" pitchFamily="34" charset="0"/>
-              </a:rPr>
-              <a:t> Desktop app. </a:t>
-            </a:r>
-            <a:endParaRPr lang="en-US" altLang="en-US" dirty="0">
-              <a:latin typeface="Arial" panose="020B0604020202020204" pitchFamily="34" charset="0"/>
-            </a:endParaRPr>
-          </a:p>
-          <a:p>
-            <a:endParaRPr lang="en-US" altLang="en-US" dirty="0"/>
-          </a:p>
-          <a:p>
-            <a:endParaRPr lang="en-US" altLang="en-US" dirty="0" smtClean="0"/>
-          </a:p>
-          <a:p>
-            <a:endParaRPr lang="en-US" altLang="en-US" dirty="0" smtClean="0"/>
-          </a:p>
-          <a:p>
-            <a:endParaRPr lang="en-US" dirty="0"/>
-          </a:p>
-          <a:p>
-            <a:endParaRPr lang="en-GB" dirty="0"/>
-          </a:p>
-        </p:txBody>
-      </p:sp>
-    </p:spTree>
-    <p:extLst>
-      <p:ext uri="{BB962C8B-B14F-4D97-AF65-F5344CB8AC3E}">
-        <p14:creationId xmlns:p14="http://schemas.microsoft.com/office/powerpoint/2010/main" val="2479509246"/>
+        <p14:creationId xmlns:p14="http://schemas.microsoft.com/office/powerpoint/2010/main" xmlns="" val="1685329959"/>
       </p:ext>
     </p:extLst>
   </p:cSld>
@@ -3786,10 +3445,10 @@
           <p:nvPr/>
         </p:nvPicPr>
         <p:blipFill>
-          <a:blip r:embed="rId2">
+          <a:blip r:embed="rId2" cstate="print">
             <a:extLst>
               <a:ext uri="{28A0092B-C50C-407E-A947-70E740481C1C}">
-                <a14:useLocalDpi xmlns:a14="http://schemas.microsoft.com/office/drawing/2010/main" val="0"/>
+                <a14:useLocalDpi xmlns:a14="http://schemas.microsoft.com/office/drawing/2010/main" xmlns="" val="0"/>
               </a:ext>
             </a:extLst>
           </a:blip>
@@ -3809,7 +3468,7 @@
           <a:noFill/>
           <a:extLst>
             <a:ext uri="{909E8E84-426E-40DD-AFC4-6F175D3DCCD1}">
-              <a14:hiddenFill xmlns:a14="http://schemas.microsoft.com/office/drawing/2010/main">
+              <a14:hiddenFill xmlns:a14="http://schemas.microsoft.com/office/drawing/2010/main" xmlns="">
                 <a:solidFill>
                   <a:srgbClr val="FFFFFF"/>
                 </a:solidFill>
@@ -3821,7 +3480,7 @@
     </p:spTree>
     <p:extLst>
       <p:ext uri="{BB962C8B-B14F-4D97-AF65-F5344CB8AC3E}">
-        <p14:creationId xmlns:p14="http://schemas.microsoft.com/office/powerpoint/2010/main" val="1457877240"/>
+        <p14:creationId xmlns:p14="http://schemas.microsoft.com/office/powerpoint/2010/main" xmlns="" val="1457877240"/>
       </p:ext>
     </p:extLst>
   </p:cSld>
@@ -3857,10 +3516,10 @@
           <p:nvPr/>
         </p:nvPicPr>
         <p:blipFill>
-          <a:blip r:embed="rId2">
+          <a:blip r:embed="rId2" cstate="print">
             <a:extLst>
               <a:ext uri="{28A0092B-C50C-407E-A947-70E740481C1C}">
-                <a14:useLocalDpi xmlns:a14="http://schemas.microsoft.com/office/drawing/2010/main" val="0"/>
+                <a14:useLocalDpi xmlns:a14="http://schemas.microsoft.com/office/drawing/2010/main" xmlns="" val="0"/>
               </a:ext>
             </a:extLst>
           </a:blip>
@@ -3880,7 +3539,7 @@
           <a:noFill/>
           <a:extLst>
             <a:ext uri="{909E8E84-426E-40DD-AFC4-6F175D3DCCD1}">
-              <a14:hiddenFill xmlns:a14="http://schemas.microsoft.com/office/drawing/2010/main">
+              <a14:hiddenFill xmlns:a14="http://schemas.microsoft.com/office/drawing/2010/main" xmlns="">
                 <a:solidFill>
                   <a:srgbClr val="FFFFFF"/>
                 </a:solidFill>
@@ -3930,7 +3589,7 @@
     </p:spTree>
     <p:extLst>
       <p:ext uri="{BB962C8B-B14F-4D97-AF65-F5344CB8AC3E}">
-        <p14:creationId xmlns:p14="http://schemas.microsoft.com/office/powerpoint/2010/main" val="1484530636"/>
+        <p14:creationId xmlns:p14="http://schemas.microsoft.com/office/powerpoint/2010/main" xmlns="" val="1484530636"/>
       </p:ext>
     </p:extLst>
   </p:cSld>
@@ -3982,7 +3641,7 @@
           <a:effectLst/>
           <a:extLst>
             <a:ext uri="{91240B29-F687-4F45-9708-019B960494DF}">
-              <a14:hiddenLine xmlns:a14="http://schemas.microsoft.com/office/drawing/2010/main" w="9525">
+              <a14:hiddenLine xmlns:a14="http://schemas.microsoft.com/office/drawing/2010/main" xmlns="" w="9525">
                 <a:solidFill>
                   <a:schemeClr val="tx1"/>
                 </a:solidFill>
@@ -3992,7 +3651,7 @@
               </a14:hiddenLine>
             </a:ext>
             <a:ext uri="{AF507438-7753-43E0-B8FC-AC1667EBCBE1}">
-              <a14:hiddenEffects xmlns:a14="http://schemas.microsoft.com/office/drawing/2010/main">
+              <a14:hiddenEffects xmlns:a14="http://schemas.microsoft.com/office/drawing/2010/main" xmlns="">
                 <a:effectLst>
                   <a:outerShdw dist="35921" dir="2700000" algn="ctr" rotWithShape="0">
                     <a:schemeClr val="bg2"/>
@@ -4558,7 +4217,7 @@
     </p:spTree>
     <p:extLst>
       <p:ext uri="{BB962C8B-B14F-4D97-AF65-F5344CB8AC3E}">
-        <p14:creationId xmlns:p14="http://schemas.microsoft.com/office/powerpoint/2010/main" val="4066906213"/>
+        <p14:creationId xmlns:p14="http://schemas.microsoft.com/office/powerpoint/2010/main" xmlns="" val="4066906213"/>
       </p:ext>
     </p:extLst>
   </p:cSld>
@@ -4587,54 +4246,22 @@
       </p:grpSpPr>
       <p:sp>
         <p:nvSpPr>
-          <p:cNvPr id="5" name="Rectangle 1"/>
-          <p:cNvSpPr>
-            <a:spLocks noChangeArrowheads="1"/>
-          </p:cNvSpPr>
+          <p:cNvPr id="4" name="Textfeld 3"/>
+          <p:cNvSpPr txBox="1"/>
           <p:nvPr/>
         </p:nvSpPr>
-        <p:spPr bwMode="auto">
+        <p:spPr>
           <a:xfrm>
-            <a:off x="502275" y="1339504"/>
-            <a:ext cx="9929611" cy="3128949"/>
+            <a:off x="553792" y="1326523"/>
+            <a:ext cx="10953948" cy="5632311"/>
           </a:xfrm>
           <a:prstGeom prst="rect">
             <a:avLst/>
           </a:prstGeom>
-          <a:solidFill>
-            <a:srgbClr val="FFFFFF"/>
-          </a:solidFill>
-          <a:ln>
-            <a:noFill/>
-          </a:ln>
-          <a:effectLst/>
-          <a:extLst>
-            <a:ext uri="{91240B29-F687-4F45-9708-019B960494DF}">
-              <a14:hiddenLine xmlns:a14="http://schemas.microsoft.com/office/drawing/2010/main" w="9525">
-                <a:solidFill>
-                  <a:schemeClr val="tx1"/>
-                </a:solidFill>
-                <a:miter lim="800000"/>
-                <a:headEnd/>
-                <a:tailEnd/>
-              </a14:hiddenLine>
-            </a:ext>
-            <a:ext uri="{AF507438-7753-43E0-B8FC-AC1667EBCBE1}">
-              <a14:hiddenEffects xmlns:a14="http://schemas.microsoft.com/office/drawing/2010/main">
-                <a:effectLst>
-                  <a:outerShdw dist="35921" dir="2700000" algn="ctr" rotWithShape="0">
-                    <a:schemeClr val="bg2"/>
-                  </a:outerShdw>
-                </a:effectLst>
-              </a14:hiddenEffects>
-            </a:ext>
-          </a:extLst>
+          <a:noFill/>
         </p:spPr>
         <p:txBody>
-          <a:bodyPr vert="horz" wrap="square" lIns="91440" tIns="177744" rIns="91440" bIns="177744" numCol="1" anchor="ctr" anchorCtr="0" compatLnSpc="1">
-            <a:prstTxWarp prst="textNoShape">
-              <a:avLst/>
-            </a:prstTxWarp>
+          <a:bodyPr wrap="square" rtlCol="0">
             <a:spAutoFit/>
           </a:bodyPr>
           <a:lstStyle/>
@@ -4648,25 +4275,676 @@
               </a:spcAft>
             </a:pPr>
             <a:r>
+              <a:rPr lang="en-US" altLang="en-US" dirty="0" smtClean="0">
+                <a:latin typeface="Arial" panose="020B0604020202020204" pitchFamily="34" charset="0"/>
+              </a:rPr>
+              <a:t>You </a:t>
+            </a:r>
+            <a:r>
               <a:rPr lang="en-US" altLang="en-US" dirty="0">
                 <a:latin typeface="Arial" panose="020B0604020202020204" pitchFamily="34" charset="0"/>
               </a:rPr>
-              <a:t>Then download and install the GitHub Desktop App:</a:t>
+              <a:t>also need to have </a:t>
+            </a:r>
+            <a:r>
+              <a:rPr lang="en-US" altLang="en-US" b="1" dirty="0">
+                <a:latin typeface="Arial" panose="020B0604020202020204" pitchFamily="34" charset="0"/>
+              </a:rPr>
+              <a:t>R</a:t>
+            </a:r>
+            <a:r>
+              <a:rPr lang="en-US" altLang="en-US" dirty="0">
+                <a:latin typeface="Arial" panose="020B0604020202020204" pitchFamily="34" charset="0"/>
+              </a:rPr>
+              <a:t> and </a:t>
+            </a:r>
+            <a:r>
+              <a:rPr lang="en-US" altLang="en-US" b="1" dirty="0" err="1" smtClean="0">
+                <a:latin typeface="Arial" panose="020B0604020202020204" pitchFamily="34" charset="0"/>
+              </a:rPr>
+              <a:t>Rstudio</a:t>
+            </a:r>
+            <a:r>
+              <a:rPr lang="en-US" altLang="en-US" b="1" dirty="0" smtClean="0">
+                <a:latin typeface="Arial" panose="020B0604020202020204" pitchFamily="34" charset="0"/>
+              </a:rPr>
+              <a:t> </a:t>
+            </a:r>
+            <a:r>
+              <a:rPr lang="en-US" altLang="en-US" dirty="0">
+                <a:latin typeface="Arial" panose="020B0604020202020204" pitchFamily="34" charset="0"/>
+              </a:rPr>
+              <a:t>installed on your computer.</a:t>
             </a:r>
             <a:br>
               <a:rPr lang="en-US" altLang="en-US" dirty="0">
                 <a:latin typeface="Arial" panose="020B0604020202020204" pitchFamily="34" charset="0"/>
               </a:rPr>
             </a:br>
-            <a:r>
-              <a:rPr lang="en-US" altLang="en-US" dirty="0">
-                <a:latin typeface="Arial" panose="020B0604020202020204" pitchFamily="34" charset="0"/>
-                <a:hlinkClick r:id="rId2"/>
-              </a:rPr>
-              <a:t>https://desktop.github.com/</a:t>
-            </a:r>
             <a:endParaRPr lang="en-US" altLang="en-US" dirty="0">
               <a:latin typeface="Arial" panose="020B0604020202020204" pitchFamily="34" charset="0"/>
+            </a:endParaRPr>
+          </a:p>
+          <a:p>
+            <a:pPr lvl="0" eaLnBrk="0" fontAlgn="base" hangingPunct="0">
+              <a:spcBef>
+                <a:spcPct val="0"/>
+              </a:spcBef>
+              <a:spcAft>
+                <a:spcPct val="0"/>
+              </a:spcAft>
+            </a:pPr>
+            <a:r>
+              <a:rPr lang="en-US" altLang="en-US" dirty="0" smtClean="0">
+                <a:latin typeface="Arial" panose="020B0604020202020204" pitchFamily="34" charset="0"/>
+              </a:rPr>
+              <a:t>Configure </a:t>
+            </a:r>
+            <a:r>
+              <a:rPr lang="en-US" altLang="en-US" b="1" dirty="0" err="1">
+                <a:latin typeface="Arial" panose="020B0604020202020204" pitchFamily="34" charset="0"/>
+              </a:rPr>
+              <a:t>git</a:t>
+            </a:r>
+            <a:r>
+              <a:rPr lang="en-US" altLang="en-US" dirty="0">
+                <a:latin typeface="Arial" panose="020B0604020202020204" pitchFamily="34" charset="0"/>
+              </a:rPr>
+              <a:t> with global commands. Open up the Bash version of </a:t>
+            </a:r>
+            <a:r>
+              <a:rPr lang="en-US" altLang="en-US" dirty="0" err="1">
+                <a:latin typeface="Arial" panose="020B0604020202020204" pitchFamily="34" charset="0"/>
+              </a:rPr>
+              <a:t>Git</a:t>
+            </a:r>
+            <a:r>
+              <a:rPr lang="en-US" altLang="en-US" dirty="0">
+                <a:latin typeface="Arial" panose="020B0604020202020204" pitchFamily="34" charset="0"/>
+              </a:rPr>
+              <a:t> and type the following</a:t>
+            </a:r>
+            <a:r>
+              <a:rPr lang="en-US" altLang="en-US" dirty="0" smtClean="0">
+                <a:latin typeface="Arial" panose="020B0604020202020204" pitchFamily="34" charset="0"/>
+              </a:rPr>
+              <a:t>:</a:t>
+            </a:r>
+          </a:p>
+          <a:p>
+            <a:pPr lvl="0" eaLnBrk="0" fontAlgn="base" hangingPunct="0">
+              <a:spcBef>
+                <a:spcPct val="0"/>
+              </a:spcBef>
+              <a:spcAft>
+                <a:spcPct val="0"/>
+              </a:spcAft>
+              <a:buFontTx/>
+              <a:buAutoNum type="arabicPeriod" startAt="2"/>
+            </a:pPr>
+            <a:endParaRPr kumimoji="0" lang="en-US" altLang="en-US" sz="1000" b="0" i="0" u="none" strike="noStrike" cap="none" normalizeH="0" baseline="0" dirty="0">
+              <a:ln>
+                <a:noFill/>
+              </a:ln>
+              <a:solidFill>
+                <a:schemeClr val="tx1"/>
+              </a:solidFill>
+              <a:effectLst/>
+              <a:latin typeface="Arial" panose="020B0604020202020204" pitchFamily="34" charset="0"/>
+            </a:endParaRPr>
+          </a:p>
+          <a:p>
+            <a:pPr lvl="0" eaLnBrk="0" fontAlgn="base" hangingPunct="0">
+              <a:spcBef>
+                <a:spcPct val="0"/>
+              </a:spcBef>
+              <a:spcAft>
+                <a:spcPct val="0"/>
+              </a:spcAft>
+            </a:pPr>
+            <a:endParaRPr kumimoji="0" lang="en-US" altLang="en-US" sz="1000" b="0" i="0" u="none" strike="noStrike" cap="none" normalizeH="0" baseline="0" dirty="0" smtClean="0">
+              <a:ln>
+                <a:noFill/>
+              </a:ln>
+              <a:solidFill>
+                <a:schemeClr val="tx1"/>
+              </a:solidFill>
+              <a:effectLst/>
+              <a:latin typeface="Arial Unicode MS" panose="020B0604020202020204" pitchFamily="34" charset="-128"/>
+            </a:endParaRPr>
+          </a:p>
+          <a:p>
+            <a:pPr lvl="0" eaLnBrk="0" fontAlgn="base" hangingPunct="0">
+              <a:spcBef>
+                <a:spcPct val="0"/>
+              </a:spcBef>
+              <a:spcAft>
+                <a:spcPct val="0"/>
+              </a:spcAft>
+            </a:pPr>
+            <a:r>
+              <a:rPr kumimoji="0" lang="en-US" altLang="en-US" sz="1600" b="0" i="0" u="none" strike="noStrike" cap="none" normalizeH="0" baseline="0" dirty="0" smtClean="0">
+                <a:ln>
+                  <a:noFill/>
+                </a:ln>
+                <a:solidFill>
+                  <a:schemeClr val="tx1"/>
+                </a:solidFill>
+                <a:effectLst/>
+                <a:latin typeface="Courier New" panose="02070309020205020404" pitchFamily="49" charset="0"/>
+                <a:cs typeface="Courier New" panose="02070309020205020404" pitchFamily="49" charset="0"/>
+              </a:rPr>
+              <a:t># display your version of </a:t>
+            </a:r>
+            <a:r>
+              <a:rPr kumimoji="0" lang="en-US" altLang="en-US" sz="1600" b="0" i="0" u="none" strike="noStrike" cap="none" normalizeH="0" baseline="0" dirty="0" err="1" smtClean="0">
+                <a:ln>
+                  <a:noFill/>
+                </a:ln>
+                <a:solidFill>
+                  <a:schemeClr val="tx1"/>
+                </a:solidFill>
+                <a:effectLst/>
+                <a:latin typeface="Courier New" panose="02070309020205020404" pitchFamily="49" charset="0"/>
+                <a:cs typeface="Courier New" panose="02070309020205020404" pitchFamily="49" charset="0"/>
+              </a:rPr>
+              <a:t>git</a:t>
+            </a:r>
+            <a:r>
+              <a:rPr kumimoji="0" lang="en-US" altLang="en-US" sz="1600" b="0" i="0" u="none" strike="noStrike" cap="none" normalizeH="0" baseline="0" dirty="0" smtClean="0">
+                <a:ln>
+                  <a:noFill/>
+                </a:ln>
+                <a:solidFill>
+                  <a:schemeClr val="tx1"/>
+                </a:solidFill>
+                <a:effectLst/>
+                <a:latin typeface="Courier New" panose="02070309020205020404" pitchFamily="49" charset="0"/>
+                <a:cs typeface="Courier New" panose="02070309020205020404" pitchFamily="49" charset="0"/>
+              </a:rPr>
+              <a:t> </a:t>
+            </a:r>
+          </a:p>
+          <a:p>
+            <a:pPr lvl="0" eaLnBrk="0" fontAlgn="base" hangingPunct="0">
+              <a:spcBef>
+                <a:spcPct val="0"/>
+              </a:spcBef>
+              <a:spcAft>
+                <a:spcPct val="0"/>
+              </a:spcAft>
+            </a:pPr>
+            <a:r>
+              <a:rPr kumimoji="0" lang="en-US" altLang="en-US" sz="1600" b="0" i="0" u="none" strike="noStrike" cap="none" normalizeH="0" baseline="0" dirty="0" err="1" smtClean="0">
+                <a:ln>
+                  <a:noFill/>
+                </a:ln>
+                <a:solidFill>
+                  <a:schemeClr val="tx1"/>
+                </a:solidFill>
+                <a:effectLst/>
+                <a:latin typeface="Courier New" panose="02070309020205020404" pitchFamily="49" charset="0"/>
+                <a:cs typeface="Courier New" panose="02070309020205020404" pitchFamily="49" charset="0"/>
+              </a:rPr>
+              <a:t>git</a:t>
+            </a:r>
+            <a:r>
+              <a:rPr kumimoji="0" lang="en-US" altLang="en-US" sz="1600" b="0" i="0" u="none" strike="noStrike" cap="none" normalizeH="0" baseline="0" dirty="0" smtClean="0">
+                <a:ln>
+                  <a:noFill/>
+                </a:ln>
+                <a:solidFill>
+                  <a:schemeClr val="tx1"/>
+                </a:solidFill>
+                <a:effectLst/>
+                <a:latin typeface="Courier New" panose="02070309020205020404" pitchFamily="49" charset="0"/>
+                <a:cs typeface="Courier New" panose="02070309020205020404" pitchFamily="49" charset="0"/>
+              </a:rPr>
+              <a:t> --version </a:t>
+            </a:r>
+          </a:p>
+          <a:p>
+            <a:pPr lvl="0" eaLnBrk="0" fontAlgn="base" hangingPunct="0">
+              <a:spcBef>
+                <a:spcPct val="0"/>
+              </a:spcBef>
+              <a:spcAft>
+                <a:spcPct val="0"/>
+              </a:spcAft>
+            </a:pPr>
+            <a:r>
+              <a:rPr kumimoji="0" lang="en-US" altLang="en-US" sz="1600" b="0" i="0" u="none" strike="noStrike" cap="none" normalizeH="0" baseline="0" dirty="0" smtClean="0">
+                <a:ln>
+                  <a:noFill/>
+                </a:ln>
+                <a:solidFill>
+                  <a:schemeClr val="tx1"/>
+                </a:solidFill>
+                <a:effectLst/>
+                <a:latin typeface="Courier New" panose="02070309020205020404" pitchFamily="49" charset="0"/>
+                <a:cs typeface="Courier New" panose="02070309020205020404" pitchFamily="49" charset="0"/>
+              </a:rPr>
+              <a:t># replace USER with your </a:t>
+            </a:r>
+            <a:r>
+              <a:rPr kumimoji="0" lang="en-US" altLang="en-US" sz="1600" b="0" i="0" u="none" strike="noStrike" cap="none" normalizeH="0" baseline="0" dirty="0" err="1" smtClean="0">
+                <a:ln>
+                  <a:noFill/>
+                </a:ln>
+                <a:solidFill>
+                  <a:schemeClr val="tx1"/>
+                </a:solidFill>
+                <a:effectLst/>
+                <a:latin typeface="Courier New" panose="02070309020205020404" pitchFamily="49" charset="0"/>
+                <a:cs typeface="Courier New" panose="02070309020205020404" pitchFamily="49" charset="0"/>
+              </a:rPr>
+              <a:t>Github</a:t>
+            </a:r>
+            <a:r>
+              <a:rPr kumimoji="0" lang="en-US" altLang="en-US" sz="1600" b="0" i="0" u="none" strike="noStrike" cap="none" normalizeH="0" baseline="0" dirty="0" smtClean="0">
+                <a:ln>
+                  <a:noFill/>
+                </a:ln>
+                <a:solidFill>
+                  <a:schemeClr val="tx1"/>
+                </a:solidFill>
+                <a:effectLst/>
+                <a:latin typeface="Courier New" panose="02070309020205020404" pitchFamily="49" charset="0"/>
+                <a:cs typeface="Courier New" panose="02070309020205020404" pitchFamily="49" charset="0"/>
+              </a:rPr>
+              <a:t> user account </a:t>
+            </a:r>
+          </a:p>
+          <a:p>
+            <a:pPr lvl="0" eaLnBrk="0" fontAlgn="base" hangingPunct="0">
+              <a:spcBef>
+                <a:spcPct val="0"/>
+              </a:spcBef>
+              <a:spcAft>
+                <a:spcPct val="0"/>
+              </a:spcAft>
+            </a:pPr>
+            <a:r>
+              <a:rPr kumimoji="0" lang="en-US" altLang="en-US" sz="1600" b="0" i="0" u="none" strike="noStrike" cap="none" normalizeH="0" baseline="0" dirty="0" err="1" smtClean="0">
+                <a:ln>
+                  <a:noFill/>
+                </a:ln>
+                <a:solidFill>
+                  <a:schemeClr val="tx1"/>
+                </a:solidFill>
+                <a:effectLst/>
+                <a:latin typeface="Courier New" panose="02070309020205020404" pitchFamily="49" charset="0"/>
+                <a:cs typeface="Courier New" panose="02070309020205020404" pitchFamily="49" charset="0"/>
+              </a:rPr>
+              <a:t>git</a:t>
+            </a:r>
+            <a:r>
+              <a:rPr kumimoji="0" lang="en-US" altLang="en-US" sz="1600" b="0" i="0" u="none" strike="noStrike" cap="none" normalizeH="0" baseline="0" dirty="0" smtClean="0">
+                <a:ln>
+                  <a:noFill/>
+                </a:ln>
+                <a:solidFill>
+                  <a:schemeClr val="tx1"/>
+                </a:solidFill>
+                <a:effectLst/>
+                <a:latin typeface="Courier New" panose="02070309020205020404" pitchFamily="49" charset="0"/>
+                <a:cs typeface="Courier New" panose="02070309020205020404" pitchFamily="49" charset="0"/>
+              </a:rPr>
+              <a:t> </a:t>
+            </a:r>
+            <a:r>
+              <a:rPr kumimoji="0" lang="en-US" altLang="en-US" sz="1600" b="0" i="0" u="none" strike="noStrike" cap="none" normalizeH="0" baseline="0" dirty="0" err="1" smtClean="0">
+                <a:ln>
+                  <a:noFill/>
+                </a:ln>
+                <a:solidFill>
+                  <a:schemeClr val="tx1"/>
+                </a:solidFill>
+                <a:effectLst/>
+                <a:latin typeface="Courier New" panose="02070309020205020404" pitchFamily="49" charset="0"/>
+                <a:cs typeface="Courier New" panose="02070309020205020404" pitchFamily="49" charset="0"/>
+              </a:rPr>
+              <a:t>config</a:t>
+            </a:r>
+            <a:r>
+              <a:rPr kumimoji="0" lang="en-US" altLang="en-US" sz="1600" b="0" i="0" u="none" strike="noStrike" cap="none" normalizeH="0" baseline="0" dirty="0" smtClean="0">
+                <a:ln>
+                  <a:noFill/>
+                </a:ln>
+                <a:solidFill>
+                  <a:schemeClr val="tx1"/>
+                </a:solidFill>
+                <a:effectLst/>
+                <a:latin typeface="Courier New" panose="02070309020205020404" pitchFamily="49" charset="0"/>
+                <a:cs typeface="Courier New" panose="02070309020205020404" pitchFamily="49" charset="0"/>
+              </a:rPr>
+              <a:t> –-global user.name USER </a:t>
+            </a:r>
+          </a:p>
+          <a:p>
+            <a:pPr lvl="0" eaLnBrk="0" fontAlgn="base" hangingPunct="0">
+              <a:spcBef>
+                <a:spcPct val="0"/>
+              </a:spcBef>
+              <a:spcAft>
+                <a:spcPct val="0"/>
+              </a:spcAft>
+            </a:pPr>
+            <a:r>
+              <a:rPr kumimoji="0" lang="en-US" altLang="en-US" sz="1600" b="0" i="0" u="none" strike="noStrike" cap="none" normalizeH="0" baseline="0" dirty="0" smtClean="0">
+                <a:ln>
+                  <a:noFill/>
+                </a:ln>
+                <a:solidFill>
+                  <a:schemeClr val="tx1"/>
+                </a:solidFill>
+                <a:effectLst/>
+                <a:latin typeface="Courier New" panose="02070309020205020404" pitchFamily="49" charset="0"/>
+                <a:cs typeface="Courier New" panose="02070309020205020404" pitchFamily="49" charset="0"/>
+              </a:rPr>
+              <a:t># replace </a:t>
+            </a:r>
+            <a:r>
+              <a:rPr kumimoji="0" lang="en-US" altLang="en-US" sz="1600" b="0" i="0" u="none" strike="noStrike" cap="none" normalizeH="0" baseline="0" dirty="0" smtClean="0">
+                <a:ln>
+                  <a:noFill/>
+                </a:ln>
+                <a:solidFill>
+                  <a:schemeClr val="tx1"/>
+                </a:solidFill>
+                <a:effectLst/>
+                <a:latin typeface="Courier New" panose="02070309020205020404" pitchFamily="49" charset="0"/>
+                <a:cs typeface="Courier New" panose="02070309020205020404" pitchFamily="49" charset="0"/>
+                <a:hlinkClick r:id="rId2"/>
+              </a:rPr>
+              <a:t>USER@UMAIL.UCSB.EDU</a:t>
+            </a:r>
+            <a:r>
+              <a:rPr kumimoji="0" lang="en-US" altLang="en-US" sz="1600" b="0" i="0" u="none" strike="noStrike" cap="none" normalizeH="0" baseline="0" dirty="0" smtClean="0">
+                <a:ln>
+                  <a:noFill/>
+                </a:ln>
+                <a:solidFill>
+                  <a:schemeClr val="tx1"/>
+                </a:solidFill>
+                <a:effectLst/>
+                <a:latin typeface="Courier New" panose="02070309020205020404" pitchFamily="49" charset="0"/>
+                <a:cs typeface="Courier New" panose="02070309020205020404" pitchFamily="49" charset="0"/>
+              </a:rPr>
+              <a:t> with the email you used to register with </a:t>
+            </a:r>
+            <a:r>
+              <a:rPr kumimoji="0" lang="en-US" altLang="en-US" sz="1600" b="0" i="0" u="none" strike="noStrike" cap="none" normalizeH="0" baseline="0" dirty="0" err="1" smtClean="0">
+                <a:ln>
+                  <a:noFill/>
+                </a:ln>
+                <a:solidFill>
+                  <a:schemeClr val="tx1"/>
+                </a:solidFill>
+                <a:effectLst/>
+                <a:latin typeface="Courier New" panose="02070309020205020404" pitchFamily="49" charset="0"/>
+                <a:cs typeface="Courier New" panose="02070309020205020404" pitchFamily="49" charset="0"/>
+              </a:rPr>
+              <a:t>Github</a:t>
+            </a:r>
+            <a:r>
+              <a:rPr kumimoji="0" lang="en-US" altLang="en-US" sz="1600" b="0" i="0" u="none" strike="noStrike" cap="none" normalizeH="0" baseline="0" dirty="0" smtClean="0">
+                <a:ln>
+                  <a:noFill/>
+                </a:ln>
+                <a:solidFill>
+                  <a:schemeClr val="tx1"/>
+                </a:solidFill>
+                <a:effectLst/>
+                <a:latin typeface="Courier New" panose="02070309020205020404" pitchFamily="49" charset="0"/>
+                <a:cs typeface="Courier New" panose="02070309020205020404" pitchFamily="49" charset="0"/>
+              </a:rPr>
+              <a:t> </a:t>
+            </a:r>
+          </a:p>
+          <a:p>
+            <a:pPr lvl="0" eaLnBrk="0" fontAlgn="base" hangingPunct="0">
+              <a:spcBef>
+                <a:spcPct val="0"/>
+              </a:spcBef>
+              <a:spcAft>
+                <a:spcPct val="0"/>
+              </a:spcAft>
+            </a:pPr>
+            <a:r>
+              <a:rPr kumimoji="0" lang="en-US" altLang="en-US" sz="1600" b="0" i="0" u="none" strike="noStrike" cap="none" normalizeH="0" baseline="0" dirty="0" err="1" smtClean="0">
+                <a:ln>
+                  <a:noFill/>
+                </a:ln>
+                <a:solidFill>
+                  <a:schemeClr val="tx1"/>
+                </a:solidFill>
+                <a:effectLst/>
+                <a:latin typeface="Courier New" panose="02070309020205020404" pitchFamily="49" charset="0"/>
+                <a:cs typeface="Courier New" panose="02070309020205020404" pitchFamily="49" charset="0"/>
+              </a:rPr>
+              <a:t>git</a:t>
+            </a:r>
+            <a:r>
+              <a:rPr kumimoji="0" lang="en-US" altLang="en-US" sz="1600" b="0" i="0" u="none" strike="noStrike" cap="none" normalizeH="0" baseline="0" dirty="0" smtClean="0">
+                <a:ln>
+                  <a:noFill/>
+                </a:ln>
+                <a:solidFill>
+                  <a:schemeClr val="tx1"/>
+                </a:solidFill>
+                <a:effectLst/>
+                <a:latin typeface="Courier New" panose="02070309020205020404" pitchFamily="49" charset="0"/>
+                <a:cs typeface="Courier New" panose="02070309020205020404" pitchFamily="49" charset="0"/>
+              </a:rPr>
+              <a:t> </a:t>
+            </a:r>
+            <a:r>
+              <a:rPr kumimoji="0" lang="en-US" altLang="en-US" sz="1600" b="0" i="0" u="none" strike="noStrike" cap="none" normalizeH="0" baseline="0" dirty="0" err="1" smtClean="0">
+                <a:ln>
+                  <a:noFill/>
+                </a:ln>
+                <a:solidFill>
+                  <a:schemeClr val="tx1"/>
+                </a:solidFill>
+                <a:effectLst/>
+                <a:latin typeface="Courier New" panose="02070309020205020404" pitchFamily="49" charset="0"/>
+                <a:cs typeface="Courier New" panose="02070309020205020404" pitchFamily="49" charset="0"/>
+              </a:rPr>
+              <a:t>config</a:t>
+            </a:r>
+            <a:r>
+              <a:rPr kumimoji="0" lang="en-US" altLang="en-US" sz="1600" b="0" i="0" u="none" strike="noStrike" cap="none" normalizeH="0" baseline="0" dirty="0" smtClean="0">
+                <a:ln>
+                  <a:noFill/>
+                </a:ln>
+                <a:solidFill>
+                  <a:schemeClr val="tx1"/>
+                </a:solidFill>
+                <a:effectLst/>
+                <a:latin typeface="Courier New" panose="02070309020205020404" pitchFamily="49" charset="0"/>
+                <a:cs typeface="Courier New" panose="02070309020205020404" pitchFamily="49" charset="0"/>
+              </a:rPr>
+              <a:t> –-global </a:t>
+            </a:r>
+            <a:r>
+              <a:rPr kumimoji="0" lang="en-US" altLang="en-US" sz="1600" b="0" i="0" u="none" strike="noStrike" cap="none" normalizeH="0" baseline="0" dirty="0" err="1" smtClean="0">
+                <a:ln>
+                  <a:noFill/>
+                </a:ln>
+                <a:solidFill>
+                  <a:schemeClr val="tx1"/>
+                </a:solidFill>
+                <a:effectLst/>
+                <a:latin typeface="Courier New" panose="02070309020205020404" pitchFamily="49" charset="0"/>
+                <a:cs typeface="Courier New" panose="02070309020205020404" pitchFamily="49" charset="0"/>
+              </a:rPr>
+              <a:t>user.email</a:t>
+            </a:r>
+            <a:r>
+              <a:rPr kumimoji="0" lang="en-US" altLang="en-US" sz="1600" b="0" i="0" u="none" strike="noStrike" cap="none" normalizeH="0" baseline="0" dirty="0" smtClean="0">
+                <a:ln>
+                  <a:noFill/>
+                </a:ln>
+                <a:solidFill>
+                  <a:schemeClr val="tx1"/>
+                </a:solidFill>
+                <a:effectLst/>
+                <a:latin typeface="Courier New" panose="02070309020205020404" pitchFamily="49" charset="0"/>
+                <a:cs typeface="Courier New" panose="02070309020205020404" pitchFamily="49" charset="0"/>
+              </a:rPr>
+              <a:t> </a:t>
+            </a:r>
+            <a:r>
+              <a:rPr kumimoji="0" lang="en-US" altLang="en-US" sz="1600" b="0" i="0" u="none" strike="noStrike" cap="none" normalizeH="0" baseline="0" dirty="0" smtClean="0">
+                <a:ln>
+                  <a:noFill/>
+                </a:ln>
+                <a:solidFill>
+                  <a:schemeClr val="tx1"/>
+                </a:solidFill>
+                <a:effectLst/>
+                <a:latin typeface="Courier New" panose="02070309020205020404" pitchFamily="49" charset="0"/>
+                <a:cs typeface="Courier New" panose="02070309020205020404" pitchFamily="49" charset="0"/>
+                <a:hlinkClick r:id="rId2"/>
+              </a:rPr>
+              <a:t>USER@UMAIL.UCSB.EDU</a:t>
+            </a:r>
+            <a:r>
+              <a:rPr kumimoji="0" lang="en-US" altLang="en-US" sz="1600" b="0" i="0" u="none" strike="noStrike" cap="none" normalizeH="0" baseline="0" dirty="0" smtClean="0">
+                <a:ln>
+                  <a:noFill/>
+                </a:ln>
+                <a:solidFill>
+                  <a:schemeClr val="tx1"/>
+                </a:solidFill>
+                <a:effectLst/>
+                <a:latin typeface="Courier New" panose="02070309020205020404" pitchFamily="49" charset="0"/>
+                <a:cs typeface="Courier New" panose="02070309020205020404" pitchFamily="49" charset="0"/>
+              </a:rPr>
+              <a:t> </a:t>
+            </a:r>
+          </a:p>
+          <a:p>
+            <a:pPr lvl="0" eaLnBrk="0" fontAlgn="base" hangingPunct="0">
+              <a:spcBef>
+                <a:spcPct val="0"/>
+              </a:spcBef>
+              <a:spcAft>
+                <a:spcPct val="0"/>
+              </a:spcAft>
+            </a:pPr>
+            <a:r>
+              <a:rPr kumimoji="0" lang="en-US" altLang="en-US" sz="1600" b="0" i="0" u="none" strike="noStrike" cap="none" normalizeH="0" baseline="0" dirty="0" smtClean="0">
+                <a:ln>
+                  <a:noFill/>
+                </a:ln>
+                <a:solidFill>
+                  <a:schemeClr val="tx1"/>
+                </a:solidFill>
+                <a:effectLst/>
+                <a:latin typeface="Courier New" panose="02070309020205020404" pitchFamily="49" charset="0"/>
+                <a:cs typeface="Courier New" panose="02070309020205020404" pitchFamily="49" charset="0"/>
+              </a:rPr>
+              <a:t># list your </a:t>
+            </a:r>
+            <a:r>
+              <a:rPr kumimoji="0" lang="en-US" altLang="en-US" sz="1600" b="0" i="0" u="none" strike="noStrike" cap="none" normalizeH="0" baseline="0" dirty="0" err="1" smtClean="0">
+                <a:ln>
+                  <a:noFill/>
+                </a:ln>
+                <a:solidFill>
+                  <a:schemeClr val="tx1"/>
+                </a:solidFill>
+                <a:effectLst/>
+                <a:latin typeface="Courier New" panose="02070309020205020404" pitchFamily="49" charset="0"/>
+                <a:cs typeface="Courier New" panose="02070309020205020404" pitchFamily="49" charset="0"/>
+              </a:rPr>
+              <a:t>config</a:t>
+            </a:r>
+            <a:r>
+              <a:rPr kumimoji="0" lang="en-US" altLang="en-US" sz="1600" b="0" i="0" u="none" strike="noStrike" cap="none" normalizeH="0" baseline="0" dirty="0" smtClean="0">
+                <a:ln>
+                  <a:noFill/>
+                </a:ln>
+                <a:solidFill>
+                  <a:schemeClr val="tx1"/>
+                </a:solidFill>
+                <a:effectLst/>
+                <a:latin typeface="Courier New" panose="02070309020205020404" pitchFamily="49" charset="0"/>
+                <a:cs typeface="Courier New" panose="02070309020205020404" pitchFamily="49" charset="0"/>
+              </a:rPr>
+              <a:t> to confirm user.* variables set </a:t>
+            </a:r>
+          </a:p>
+          <a:p>
+            <a:pPr lvl="0" eaLnBrk="0" fontAlgn="base" hangingPunct="0">
+              <a:spcBef>
+                <a:spcPct val="0"/>
+              </a:spcBef>
+              <a:spcAft>
+                <a:spcPct val="0"/>
+              </a:spcAft>
+            </a:pPr>
+            <a:r>
+              <a:rPr kumimoji="0" lang="en-US" altLang="en-US" sz="1600" b="0" i="0" u="none" strike="noStrike" cap="none" normalizeH="0" baseline="0" dirty="0" err="1" smtClean="0">
+                <a:ln>
+                  <a:noFill/>
+                </a:ln>
+                <a:solidFill>
+                  <a:schemeClr val="tx1"/>
+                </a:solidFill>
+                <a:effectLst/>
+                <a:latin typeface="Courier New" panose="02070309020205020404" pitchFamily="49" charset="0"/>
+                <a:cs typeface="Courier New" panose="02070309020205020404" pitchFamily="49" charset="0"/>
+              </a:rPr>
+              <a:t>git</a:t>
+            </a:r>
+            <a:r>
+              <a:rPr kumimoji="0" lang="en-US" altLang="en-US" sz="1600" b="0" i="0" u="none" strike="noStrike" cap="none" normalizeH="0" baseline="0" dirty="0" smtClean="0">
+                <a:ln>
+                  <a:noFill/>
+                </a:ln>
+                <a:solidFill>
+                  <a:schemeClr val="tx1"/>
+                </a:solidFill>
+                <a:effectLst/>
+                <a:latin typeface="Courier New" panose="02070309020205020404" pitchFamily="49" charset="0"/>
+                <a:cs typeface="Courier New" panose="02070309020205020404" pitchFamily="49" charset="0"/>
+              </a:rPr>
+              <a:t> </a:t>
+            </a:r>
+            <a:r>
+              <a:rPr kumimoji="0" lang="en-US" altLang="en-US" sz="1600" b="0" i="0" u="none" strike="noStrike" cap="none" normalizeH="0" baseline="0" dirty="0" err="1" smtClean="0">
+                <a:ln>
+                  <a:noFill/>
+                </a:ln>
+                <a:solidFill>
+                  <a:schemeClr val="tx1"/>
+                </a:solidFill>
+                <a:effectLst/>
+                <a:latin typeface="Courier New" panose="02070309020205020404" pitchFamily="49" charset="0"/>
+                <a:cs typeface="Courier New" panose="02070309020205020404" pitchFamily="49" charset="0"/>
+              </a:rPr>
+              <a:t>config</a:t>
+            </a:r>
+            <a:r>
+              <a:rPr kumimoji="0" lang="en-US" altLang="en-US" sz="1600" b="0" i="0" u="none" strike="noStrike" cap="none" normalizeH="0" baseline="0" dirty="0" smtClean="0">
+                <a:ln>
+                  <a:noFill/>
+                </a:ln>
+                <a:solidFill>
+                  <a:schemeClr val="tx1"/>
+                </a:solidFill>
+                <a:effectLst/>
+                <a:latin typeface="Courier New" panose="02070309020205020404" pitchFamily="49" charset="0"/>
+                <a:cs typeface="Courier New" panose="02070309020205020404" pitchFamily="49" charset="0"/>
+              </a:rPr>
+              <a:t> --list </a:t>
+            </a:r>
+            <a:endParaRPr lang="en-US" altLang="en-US" sz="1600" dirty="0">
+              <a:latin typeface="Courier New" panose="02070309020205020404" pitchFamily="49" charset="0"/>
+              <a:cs typeface="Courier New" panose="02070309020205020404" pitchFamily="49" charset="0"/>
             </a:endParaRPr>
           </a:p>
           <a:p>
@@ -4683,175 +4961,297 @@
             </a:endParaRPr>
           </a:p>
           <a:p>
-            <a:pPr lvl="0" eaLnBrk="0" fontAlgn="base" hangingPunct="0">
-              <a:spcBef>
-                <a:spcPct val="0"/>
-              </a:spcBef>
-              <a:spcAft>
-                <a:spcPct val="0"/>
-              </a:spcAft>
-            </a:pPr>
-            <a:r>
-              <a:rPr lang="en-US" altLang="en-US" dirty="0">
-                <a:latin typeface="Arial" panose="020B0604020202020204" pitchFamily="34" charset="0"/>
-              </a:rPr>
-              <a:t>Configure Desktop App as described here:</a:t>
-            </a:r>
-          </a:p>
-          <a:p>
-            <a:pPr lvl="0" eaLnBrk="0" fontAlgn="base" hangingPunct="0">
-              <a:spcBef>
-                <a:spcPct val="0"/>
-              </a:spcBef>
-              <a:spcAft>
-                <a:spcPct val="0"/>
-              </a:spcAft>
-            </a:pPr>
-            <a:r>
-              <a:rPr lang="en-US" altLang="en-US" dirty="0">
-                <a:latin typeface="Arial" panose="020B0604020202020204" pitchFamily="34" charset="0"/>
-                <a:hlinkClick r:id="rId3"/>
-              </a:rPr>
-              <a:t>https://help.github.com/desktop/guides/getting-started/authenticating-to-github/</a:t>
-            </a:r>
-            <a:endParaRPr lang="en-US" altLang="en-US" dirty="0">
+            <a:endParaRPr lang="en-US" altLang="en-US" dirty="0" smtClean="0">
               <a:latin typeface="Arial" panose="020B0604020202020204" pitchFamily="34" charset="0"/>
             </a:endParaRPr>
           </a:p>
           <a:p>
-            <a:pPr lvl="0" eaLnBrk="0" fontAlgn="base" hangingPunct="0">
-              <a:spcBef>
-                <a:spcPct val="0"/>
-              </a:spcBef>
-              <a:spcAft>
-                <a:spcPct val="0"/>
-              </a:spcAft>
-            </a:pPr>
-            <a:endParaRPr lang="en-US" altLang="en-US" dirty="0">
-              <a:latin typeface="Arial" panose="020B0604020202020204" pitchFamily="34" charset="0"/>
-            </a:endParaRPr>
-          </a:p>
-          <a:p>
-            <a:pPr lvl="0" eaLnBrk="0" fontAlgn="base" hangingPunct="0">
-              <a:spcBef>
-                <a:spcPct val="0"/>
-              </a:spcBef>
-              <a:spcAft>
-                <a:spcPct val="0"/>
-              </a:spcAft>
-            </a:pPr>
+            <a:r>
+              <a:rPr lang="en-US" altLang="en-US" dirty="0" smtClean="0">
+                <a:latin typeface="Arial" panose="020B0604020202020204" pitchFamily="34" charset="0"/>
+              </a:rPr>
+              <a:t>Download </a:t>
+            </a:r>
             <a:r>
               <a:rPr lang="en-US" altLang="en-US" dirty="0">
                 <a:latin typeface="Arial" panose="020B0604020202020204" pitchFamily="34" charset="0"/>
               </a:rPr>
-              <a:t>Configure </a:t>
-            </a:r>
-            <a:r>
-              <a:rPr lang="en-US" altLang="en-US" dirty="0" err="1">
+              <a:t>and install a text editor, e.g. notepad++</a:t>
+            </a:r>
+            <a:br>
+              <a:rPr lang="en-US" altLang="en-US" dirty="0">
+                <a:latin typeface="Arial" panose="020B0604020202020204" pitchFamily="34" charset="0"/>
+              </a:rPr>
+            </a:br>
+            <a:r>
+              <a:rPr lang="en-US" altLang="en-US" dirty="0">
+                <a:latin typeface="Arial" panose="020B0604020202020204" pitchFamily="34" charset="0"/>
+                <a:hlinkClick r:id="rId3"/>
+              </a:rPr>
+              <a:t>https://notepad-plus-plus.org/download/v7.2.html</a:t>
+            </a:r>
+            <a:r>
+              <a:rPr lang="en-US" altLang="en-US" dirty="0">
+                <a:latin typeface="Arial" panose="020B0604020202020204" pitchFamily="34" charset="0"/>
+              </a:rPr>
+              <a:t/>
+            </a:r>
+            <a:br>
+              <a:rPr lang="en-US" altLang="en-US" dirty="0">
+                <a:latin typeface="Arial" panose="020B0604020202020204" pitchFamily="34" charset="0"/>
+              </a:rPr>
+            </a:br>
+            <a:r>
+              <a:rPr lang="en-US" altLang="en-US" b="1" dirty="0">
+                <a:latin typeface="Arial" panose="020B0604020202020204" pitchFamily="34" charset="0"/>
+              </a:rPr>
+              <a:t>Be aware that you must </a:t>
+            </a:r>
+            <a:r>
+              <a:rPr lang="en-US" altLang="en-US" b="1" dirty="0" smtClean="0">
+                <a:latin typeface="Arial" panose="020B0604020202020204" pitchFamily="34" charset="0"/>
+              </a:rPr>
+              <a:t>add </a:t>
+            </a:r>
+            <a:r>
+              <a:rPr lang="en-US" altLang="en-US" b="1" dirty="0">
+                <a:latin typeface="Arial" panose="020B0604020202020204" pitchFamily="34" charset="0"/>
+              </a:rPr>
+              <a:t>its installation directory to your system path</a:t>
+            </a:r>
+            <a:r>
+              <a:rPr lang="en-US" altLang="en-US" b="1" dirty="0" smtClean="0">
+                <a:latin typeface="Arial" panose="020B0604020202020204" pitchFamily="34" charset="0"/>
+              </a:rPr>
+              <a:t>.</a:t>
+            </a:r>
+          </a:p>
+          <a:p>
+            <a:r>
+              <a:rPr lang="en-US" dirty="0" smtClean="0">
+                <a:latin typeface="Arial" panose="020B0604020202020204" pitchFamily="34" charset="0"/>
+              </a:rPr>
+              <a:t>Type this into your </a:t>
+            </a:r>
+            <a:r>
+              <a:rPr lang="en-US" dirty="0" err="1" smtClean="0">
                 <a:latin typeface="Arial" panose="020B0604020202020204" pitchFamily="34" charset="0"/>
               </a:rPr>
               <a:t>Git</a:t>
             </a:r>
             <a:r>
-              <a:rPr lang="en-US" altLang="en-US" dirty="0">
-                <a:latin typeface="Arial" panose="020B0604020202020204" pitchFamily="34" charset="0"/>
-              </a:rPr>
-              <a:t> for </a:t>
-            </a:r>
-            <a:r>
-              <a:rPr lang="en-US" altLang="en-US" dirty="0" err="1">
-                <a:latin typeface="Arial" panose="020B0604020202020204" pitchFamily="34" charset="0"/>
-              </a:rPr>
-              <a:t>Github</a:t>
-            </a:r>
-            <a:r>
-              <a:rPr lang="en-US" altLang="en-US" dirty="0">
-                <a:latin typeface="Arial" panose="020B0604020202020204" pitchFamily="34" charset="0"/>
-              </a:rPr>
-              <a:t> Desktop as described here:</a:t>
-            </a:r>
-          </a:p>
-          <a:p>
-            <a:pPr lvl="0" eaLnBrk="0" fontAlgn="base" hangingPunct="0">
-              <a:spcBef>
-                <a:spcPct val="0"/>
-              </a:spcBef>
-              <a:spcAft>
-                <a:spcPct val="0"/>
-              </a:spcAft>
-            </a:pPr>
-            <a:r>
-              <a:rPr lang="en-US" altLang="en-US" dirty="0">
-                <a:latin typeface="Arial" panose="020B0604020202020204" pitchFamily="34" charset="0"/>
-                <a:hlinkClick r:id="rId4"/>
-              </a:rPr>
-              <a:t>https://help.github.com/desktop/guides/getting-started/configuring-git-for-github-desktop/</a:t>
-            </a:r>
-            <a:r>
-              <a:rPr lang="en-US" altLang="en-US" dirty="0">
-                <a:latin typeface="Arial" panose="020B0604020202020204" pitchFamily="34" charset="0"/>
-              </a:rPr>
-              <a:t>  </a:t>
-            </a:r>
-          </a:p>
-          <a:p>
-            <a:pPr marL="0" marR="0" lvl="0" indent="0" algn="l" defTabSz="914400" rtl="0" eaLnBrk="0" fontAlgn="base" latinLnBrk="0" hangingPunct="0">
-              <a:lnSpc>
-                <a:spcPct val="100000"/>
-              </a:lnSpc>
-              <a:spcBef>
-                <a:spcPct val="0"/>
-              </a:spcBef>
-              <a:spcAft>
-                <a:spcPct val="0"/>
-              </a:spcAft>
-              <a:buClrTx/>
-              <a:buSzTx/>
-              <a:buFontTx/>
-              <a:buNone/>
-              <a:tabLst/>
-            </a:pPr>
-            <a:r>
-              <a:rPr kumimoji="0" lang="en-US" altLang="en-US" sz="1800" b="0" i="0" u="none" strike="noStrike" cap="none" normalizeH="0" baseline="0" dirty="0" smtClean="0">
-                <a:ln>
-                  <a:noFill/>
-                </a:ln>
-                <a:solidFill>
-                  <a:schemeClr val="tx1"/>
-                </a:solidFill>
-                <a:effectLst/>
-                <a:latin typeface="Arial" panose="020B0604020202020204" pitchFamily="34" charset="0"/>
-              </a:rPr>
-              <a:t/>
-            </a:r>
-            <a:br>
-              <a:rPr kumimoji="0" lang="en-US" altLang="en-US" sz="1800" b="0" i="0" u="none" strike="noStrike" cap="none" normalizeH="0" baseline="0" dirty="0" smtClean="0">
-                <a:ln>
-                  <a:noFill/>
-                </a:ln>
-                <a:solidFill>
-                  <a:schemeClr val="tx1"/>
-                </a:solidFill>
-                <a:effectLst/>
-                <a:latin typeface="Arial" panose="020B0604020202020204" pitchFamily="34" charset="0"/>
-              </a:rPr>
-            </a:br>
-            <a:endParaRPr kumimoji="0" lang="en-US" altLang="en-US" sz="1800" b="0" i="0" u="none" strike="noStrike" cap="none" normalizeH="0" baseline="0" dirty="0" smtClean="0">
-              <a:ln>
-                <a:noFill/>
-              </a:ln>
-              <a:solidFill>
-                <a:schemeClr val="tx1"/>
-              </a:solidFill>
-              <a:effectLst/>
-              <a:latin typeface="Arial" panose="020B0604020202020204" pitchFamily="34" charset="0"/>
-            </a:endParaRPr>
-          </a:p>
-        </p:txBody>
-      </p:sp>
-      <p:sp>
-        <p:nvSpPr>
-          <p:cNvPr id="2" name="Textfeld 1"/>
+              <a:rPr lang="en-US" dirty="0" smtClean="0">
+                <a:latin typeface="Arial" panose="020B0604020202020204" pitchFamily="34" charset="0"/>
+              </a:rPr>
+              <a:t> Shell:</a:t>
+            </a:r>
+          </a:p>
+          <a:p>
+            <a:r>
+              <a:rPr kumimoji="0" lang="en-US" altLang="en-US" sz="1600" b="0" i="0" u="none" strike="noStrike" cap="none" normalizeH="0" baseline="0" dirty="0" err="1" smtClean="0">
+                <a:ln>
+                  <a:noFill/>
+                </a:ln>
+                <a:solidFill>
+                  <a:schemeClr val="tx1"/>
+                </a:solidFill>
+                <a:effectLst/>
+                <a:latin typeface="Courier New" panose="02070309020205020404" pitchFamily="49" charset="0"/>
+                <a:cs typeface="Courier New" panose="02070309020205020404" pitchFamily="49" charset="0"/>
+              </a:rPr>
+              <a:t>git</a:t>
+            </a:r>
+            <a:r>
+              <a:rPr kumimoji="0" lang="en-US" altLang="en-US" sz="1600" b="0" i="0" u="none" strike="noStrike" cap="none" normalizeH="0" baseline="0" dirty="0" smtClean="0">
+                <a:ln>
+                  <a:noFill/>
+                </a:ln>
+                <a:solidFill>
+                  <a:schemeClr val="tx1"/>
+                </a:solidFill>
+                <a:effectLst/>
+                <a:latin typeface="Courier New" panose="02070309020205020404" pitchFamily="49" charset="0"/>
+                <a:cs typeface="Courier New" panose="02070309020205020404" pitchFamily="49" charset="0"/>
+              </a:rPr>
+              <a:t> </a:t>
+            </a:r>
+            <a:r>
+              <a:rPr kumimoji="0" lang="en-US" altLang="en-US" sz="1600" b="0" i="0" u="none" strike="noStrike" cap="none" normalizeH="0" baseline="0" dirty="0" err="1" smtClean="0">
+                <a:ln>
+                  <a:noFill/>
+                </a:ln>
+                <a:solidFill>
+                  <a:schemeClr val="tx1"/>
+                </a:solidFill>
+                <a:effectLst/>
+                <a:latin typeface="Courier New" panose="02070309020205020404" pitchFamily="49" charset="0"/>
+                <a:cs typeface="Courier New" panose="02070309020205020404" pitchFamily="49" charset="0"/>
+              </a:rPr>
+              <a:t>config</a:t>
+            </a:r>
+            <a:r>
+              <a:rPr kumimoji="0" lang="en-US" altLang="en-US" sz="1600" b="0" i="0" u="none" strike="noStrike" cap="none" normalizeH="0" baseline="0" dirty="0" smtClean="0">
+                <a:ln>
+                  <a:noFill/>
+                </a:ln>
+                <a:solidFill>
+                  <a:schemeClr val="tx1"/>
+                </a:solidFill>
+                <a:effectLst/>
+                <a:latin typeface="Courier New" panose="02070309020205020404" pitchFamily="49" charset="0"/>
+                <a:cs typeface="Courier New" panose="02070309020205020404" pitchFamily="49" charset="0"/>
+              </a:rPr>
+              <a:t> --global </a:t>
+            </a:r>
+            <a:r>
+              <a:rPr kumimoji="0" lang="en-US" altLang="en-US" sz="1600" b="0" i="0" u="none" strike="noStrike" cap="none" normalizeH="0" baseline="0" dirty="0" err="1" smtClean="0">
+                <a:ln>
+                  <a:noFill/>
+                </a:ln>
+                <a:solidFill>
+                  <a:schemeClr val="tx1"/>
+                </a:solidFill>
+                <a:effectLst/>
+                <a:latin typeface="Courier New" panose="02070309020205020404" pitchFamily="49" charset="0"/>
+                <a:cs typeface="Courier New" panose="02070309020205020404" pitchFamily="49" charset="0"/>
+              </a:rPr>
+              <a:t>core.editor</a:t>
+            </a:r>
+            <a:r>
+              <a:rPr kumimoji="0" lang="en-US" altLang="en-US" sz="1600" b="0" i="0" u="none" strike="noStrike" cap="none" normalizeH="0" baseline="0" dirty="0" smtClean="0">
+                <a:ln>
+                  <a:noFill/>
+                </a:ln>
+                <a:solidFill>
+                  <a:schemeClr val="tx1"/>
+                </a:solidFill>
+                <a:effectLst/>
+                <a:latin typeface="Courier New" panose="02070309020205020404" pitchFamily="49" charset="0"/>
+                <a:cs typeface="Courier New" panose="02070309020205020404" pitchFamily="49" charset="0"/>
+              </a:rPr>
+              <a:t> "'C:/Program Files (x86)/Notepad++/notepad++.exe' -</a:t>
+            </a:r>
+            <a:r>
+              <a:rPr kumimoji="0" lang="en-US" altLang="en-US" sz="1600" b="0" i="0" u="none" strike="noStrike" cap="none" normalizeH="0" baseline="0" dirty="0" err="1" smtClean="0">
+                <a:ln>
+                  <a:noFill/>
+                </a:ln>
+                <a:solidFill>
+                  <a:schemeClr val="tx1"/>
+                </a:solidFill>
+                <a:effectLst/>
+                <a:latin typeface="Courier New" panose="02070309020205020404" pitchFamily="49" charset="0"/>
+                <a:cs typeface="Courier New" panose="02070309020205020404" pitchFamily="49" charset="0"/>
+              </a:rPr>
+              <a:t>multiInst</a:t>
+            </a:r>
+            <a:r>
+              <a:rPr kumimoji="0" lang="en-US" altLang="en-US" sz="1600" b="0" i="0" u="none" strike="noStrike" cap="none" normalizeH="0" baseline="0" dirty="0" smtClean="0">
+                <a:ln>
+                  <a:noFill/>
+                </a:ln>
+                <a:solidFill>
+                  <a:schemeClr val="tx1"/>
+                </a:solidFill>
+                <a:effectLst/>
+                <a:latin typeface="Courier New" panose="02070309020205020404" pitchFamily="49" charset="0"/>
+                <a:cs typeface="Courier New" panose="02070309020205020404" pitchFamily="49" charset="0"/>
+              </a:rPr>
+              <a:t> -</a:t>
+            </a:r>
+            <a:r>
+              <a:rPr kumimoji="0" lang="en-US" altLang="en-US" sz="1600" b="0" i="0" u="none" strike="noStrike" cap="none" normalizeH="0" baseline="0" dirty="0" err="1" smtClean="0">
+                <a:ln>
+                  <a:noFill/>
+                </a:ln>
+                <a:solidFill>
+                  <a:schemeClr val="tx1"/>
+                </a:solidFill>
+                <a:effectLst/>
+                <a:latin typeface="Courier New" panose="02070309020205020404" pitchFamily="49" charset="0"/>
+                <a:cs typeface="Courier New" panose="02070309020205020404" pitchFamily="49" charset="0"/>
+              </a:rPr>
+              <a:t>notabbar</a:t>
+            </a:r>
+            <a:r>
+              <a:rPr kumimoji="0" lang="en-US" altLang="en-US" sz="1600" b="0" i="0" u="none" strike="noStrike" cap="none" normalizeH="0" baseline="0" dirty="0" smtClean="0">
+                <a:ln>
+                  <a:noFill/>
+                </a:ln>
+                <a:solidFill>
+                  <a:schemeClr val="tx1"/>
+                </a:solidFill>
+                <a:effectLst/>
+                <a:latin typeface="Courier New" panose="02070309020205020404" pitchFamily="49" charset="0"/>
+                <a:cs typeface="Courier New" panose="02070309020205020404" pitchFamily="49" charset="0"/>
+              </a:rPr>
+              <a:t> -</a:t>
+            </a:r>
+            <a:r>
+              <a:rPr kumimoji="0" lang="en-US" altLang="en-US" sz="1600" b="0" i="0" u="none" strike="noStrike" cap="none" normalizeH="0" baseline="0" dirty="0" err="1" smtClean="0">
+                <a:ln>
+                  <a:noFill/>
+                </a:ln>
+                <a:solidFill>
+                  <a:schemeClr val="tx1"/>
+                </a:solidFill>
+                <a:effectLst/>
+                <a:latin typeface="Courier New" panose="02070309020205020404" pitchFamily="49" charset="0"/>
+                <a:cs typeface="Courier New" panose="02070309020205020404" pitchFamily="49" charset="0"/>
+              </a:rPr>
+              <a:t>nosession</a:t>
+            </a:r>
+            <a:r>
+              <a:rPr kumimoji="0" lang="en-US" altLang="en-US" sz="1600" b="0" i="0" u="none" strike="noStrike" cap="none" normalizeH="0" baseline="0" dirty="0" smtClean="0">
+                <a:ln>
+                  <a:noFill/>
+                </a:ln>
+                <a:solidFill>
+                  <a:schemeClr val="tx1"/>
+                </a:solidFill>
+                <a:effectLst/>
+                <a:latin typeface="Courier New" panose="02070309020205020404" pitchFamily="49" charset="0"/>
+                <a:cs typeface="Courier New" panose="02070309020205020404" pitchFamily="49" charset="0"/>
+              </a:rPr>
+              <a:t> -</a:t>
+            </a:r>
+            <a:r>
+              <a:rPr kumimoji="0" lang="en-US" altLang="en-US" sz="1600" b="0" i="0" u="none" strike="noStrike" cap="none" normalizeH="0" baseline="0" dirty="0" err="1" smtClean="0">
+                <a:ln>
+                  <a:noFill/>
+                </a:ln>
+                <a:solidFill>
+                  <a:schemeClr val="tx1"/>
+                </a:solidFill>
+                <a:effectLst/>
+                <a:latin typeface="Courier New" panose="02070309020205020404" pitchFamily="49" charset="0"/>
+                <a:cs typeface="Courier New" panose="02070309020205020404" pitchFamily="49" charset="0"/>
+              </a:rPr>
+              <a:t>noPlugin</a:t>
+            </a:r>
+            <a:r>
+              <a:rPr kumimoji="0" lang="en-US" altLang="en-US" sz="1600" b="0" i="0" u="none" strike="noStrike" cap="none" normalizeH="0" baseline="0" dirty="0" smtClean="0">
+                <a:ln>
+                  <a:noFill/>
+                </a:ln>
+                <a:solidFill>
+                  <a:schemeClr val="tx1"/>
+                </a:solidFill>
+                <a:effectLst/>
+                <a:latin typeface="Courier New" panose="02070309020205020404" pitchFamily="49" charset="0"/>
+                <a:cs typeface="Courier New" panose="02070309020205020404" pitchFamily="49" charset="0"/>
+              </a:rPr>
+              <a:t>" </a:t>
+            </a:r>
+          </a:p>
+          <a:p>
+            <a:endParaRPr lang="en-GB" dirty="0"/>
+          </a:p>
+        </p:txBody>
+      </p:sp>
+      <p:sp>
+        <p:nvSpPr>
+          <p:cNvPr id="3" name="Textfeld 2"/>
           <p:cNvSpPr txBox="1"/>
           <p:nvPr/>
         </p:nvSpPr>
@@ -4886,7 +5286,7 @@
     </p:spTree>
     <p:extLst>
       <p:ext uri="{BB962C8B-B14F-4D97-AF65-F5344CB8AC3E}">
-        <p14:creationId xmlns:p14="http://schemas.microsoft.com/office/powerpoint/2010/main" val="571028380"/>
+        <p14:creationId xmlns:p14="http://schemas.microsoft.com/office/powerpoint/2010/main" xmlns="" val="2693175679"/>
       </p:ext>
     </p:extLst>
   </p:cSld>
@@ -4915,1047 +5315,265 @@
       </p:grpSpPr>
       <p:sp>
         <p:nvSpPr>
-          <p:cNvPr id="4" name="Textfeld 3"/>
-          <p:cNvSpPr txBox="1"/>
-          <p:nvPr/>
-        </p:nvSpPr>
-        <p:spPr>
-          <a:xfrm>
-            <a:off x="553792" y="1326523"/>
-            <a:ext cx="10953948" cy="5632311"/>
-          </a:xfrm>
-          <a:prstGeom prst="rect">
-            <a:avLst/>
-          </a:prstGeom>
-          <a:noFill/>
-        </p:spPr>
-        <p:txBody>
-          <a:bodyPr wrap="square" rtlCol="0">
-            <a:spAutoFit/>
+          <p:cNvPr id="2" name="Titel 1"/>
+          <p:cNvSpPr>
+            <a:spLocks noGrp="1"/>
+          </p:cNvSpPr>
+          <p:nvPr>
+            <p:ph type="title"/>
+          </p:nvPr>
+        </p:nvSpPr>
+        <p:spPr/>
+        <p:txBody>
+          <a:bodyPr/>
+          <a:lstStyle/>
+          <a:p>
+            <a:r>
+              <a:rPr lang="de-DE" dirty="0" smtClean="0"/>
+              <a:t>Basic </a:t>
+            </a:r>
+            <a:r>
+              <a:rPr lang="de-DE" dirty="0" err="1" smtClean="0"/>
+              <a:t>stuff</a:t>
+            </a:r>
+            <a:r>
+              <a:rPr lang="de-DE" dirty="0" smtClean="0"/>
+              <a:t> </a:t>
+            </a:r>
+            <a:r>
+              <a:rPr lang="de-DE" dirty="0" err="1" smtClean="0"/>
+              <a:t>you</a:t>
+            </a:r>
+            <a:r>
+              <a:rPr lang="de-DE" dirty="0" smtClean="0"/>
+              <a:t> do on </a:t>
+            </a:r>
+            <a:r>
+              <a:rPr lang="de-DE" dirty="0" err="1" smtClean="0"/>
+              <a:t>GitHub</a:t>
+            </a:r>
+            <a:r>
+              <a:rPr lang="de-DE" dirty="0" smtClean="0"/>
+              <a:t>..</a:t>
+            </a:r>
+            <a:endParaRPr lang="en-GB" dirty="0"/>
+          </a:p>
+        </p:txBody>
+      </p:sp>
+      <p:sp>
+        <p:nvSpPr>
+          <p:cNvPr id="3" name="Inhaltsplatzhalter 2"/>
+          <p:cNvSpPr>
+            <a:spLocks noGrp="1"/>
+          </p:cNvSpPr>
+          <p:nvPr>
+            <p:ph idx="1"/>
+          </p:nvPr>
+        </p:nvSpPr>
+        <p:spPr/>
+        <p:txBody>
+          <a:bodyPr>
+            <a:normAutofit/>
           </a:bodyPr>
           <a:lstStyle/>
           <a:p>
-            <a:pPr lvl="0" eaLnBrk="0" fontAlgn="base" hangingPunct="0">
-              <a:spcBef>
-                <a:spcPct val="0"/>
-              </a:spcBef>
-              <a:spcAft>
-                <a:spcPct val="0"/>
-              </a:spcAft>
+            <a:r>
+              <a:rPr lang="de-DE" dirty="0" smtClean="0"/>
+              <a:t>Create/</a:t>
+            </a:r>
+            <a:r>
+              <a:rPr lang="de-DE" dirty="0" err="1" smtClean="0"/>
+              <a:t>delete</a:t>
+            </a:r>
+            <a:r>
+              <a:rPr lang="de-DE" dirty="0" smtClean="0"/>
+              <a:t>/</a:t>
+            </a:r>
+            <a:r>
+              <a:rPr lang="de-DE" dirty="0" err="1" smtClean="0"/>
+              <a:t>fork</a:t>
+            </a:r>
+            <a:r>
+              <a:rPr lang="de-DE" dirty="0" smtClean="0"/>
+              <a:t>/push/pull a </a:t>
+            </a:r>
+            <a:r>
+              <a:rPr lang="de-DE" dirty="0" err="1" smtClean="0"/>
+              <a:t>repository</a:t>
+            </a:r>
+            <a:endParaRPr lang="de-DE" dirty="0" smtClean="0"/>
+          </a:p>
+          <a:p>
+            <a:r>
+              <a:rPr lang="de-DE" dirty="0" err="1" smtClean="0"/>
+              <a:t>Clone</a:t>
+            </a:r>
+            <a:r>
+              <a:rPr lang="de-DE" dirty="0" smtClean="0"/>
+              <a:t> a </a:t>
+            </a:r>
+            <a:r>
+              <a:rPr lang="de-DE" dirty="0" err="1" smtClean="0"/>
+              <a:t>repository</a:t>
+            </a:r>
+            <a:r>
+              <a:rPr lang="de-DE" dirty="0" smtClean="0"/>
+              <a:t> </a:t>
+            </a:r>
+            <a:r>
+              <a:rPr lang="de-DE" dirty="0" err="1" smtClean="0"/>
+              <a:t>to</a:t>
+            </a:r>
+            <a:r>
+              <a:rPr lang="de-DE" dirty="0" smtClean="0"/>
+              <a:t> </a:t>
+            </a:r>
+            <a:r>
+              <a:rPr lang="de-DE" dirty="0" err="1"/>
+              <a:t>y</a:t>
+            </a:r>
+            <a:r>
+              <a:rPr lang="de-DE" dirty="0" err="1" smtClean="0"/>
+              <a:t>our</a:t>
+            </a:r>
+            <a:r>
+              <a:rPr lang="de-DE" dirty="0" smtClean="0"/>
+              <a:t> </a:t>
+            </a:r>
+            <a:r>
+              <a:rPr lang="de-DE" dirty="0" err="1" smtClean="0"/>
+              <a:t>local</a:t>
+            </a:r>
+            <a:r>
+              <a:rPr lang="de-DE" dirty="0" smtClean="0"/>
+              <a:t> </a:t>
+            </a:r>
+            <a:r>
+              <a:rPr lang="de-DE" dirty="0" err="1" smtClean="0"/>
+              <a:t>machine</a:t>
+            </a:r>
+            <a:endParaRPr lang="de-DE" dirty="0" smtClean="0"/>
+          </a:p>
+          <a:p>
+            <a:r>
+              <a:rPr lang="de-DE" dirty="0" smtClean="0"/>
+              <a:t>Work on a </a:t>
+            </a:r>
+            <a:r>
+              <a:rPr lang="de-DE" dirty="0" err="1" smtClean="0"/>
+              <a:t>project</a:t>
+            </a:r>
+            <a:r>
+              <a:rPr lang="de-DE" dirty="0" smtClean="0"/>
+              <a:t> </a:t>
+            </a:r>
+            <a:r>
+              <a:rPr lang="de-DE" dirty="0" err="1" smtClean="0"/>
+              <a:t>directly</a:t>
+            </a:r>
+            <a:r>
+              <a:rPr lang="de-DE" dirty="0" smtClean="0"/>
+              <a:t> via </a:t>
+            </a:r>
+            <a:r>
+              <a:rPr lang="de-DE" dirty="0" err="1" smtClean="0"/>
+              <a:t>Rstudio</a:t>
+            </a:r>
+            <a:r>
+              <a:rPr lang="de-DE" dirty="0" smtClean="0"/>
+              <a:t> </a:t>
+            </a:r>
+          </a:p>
+          <a:p>
+            <a:pPr marL="0" indent="0">
+              <a:buNone/>
             </a:pPr>
             <a:r>
-              <a:rPr lang="en-US" altLang="en-US" dirty="0" smtClean="0">
-                <a:latin typeface="Arial" panose="020B0604020202020204" pitchFamily="34" charset="0"/>
-              </a:rPr>
-              <a:t>You </a:t>
-            </a:r>
-            <a:r>
-              <a:rPr lang="en-US" altLang="en-US" dirty="0">
-                <a:latin typeface="Arial" panose="020B0604020202020204" pitchFamily="34" charset="0"/>
-              </a:rPr>
-              <a:t>also need to have </a:t>
-            </a:r>
-            <a:r>
-              <a:rPr lang="en-US" altLang="en-US" b="1" dirty="0">
-                <a:latin typeface="Arial" panose="020B0604020202020204" pitchFamily="34" charset="0"/>
-              </a:rPr>
-              <a:t>R</a:t>
-            </a:r>
-            <a:r>
-              <a:rPr lang="en-US" altLang="en-US" dirty="0">
-                <a:latin typeface="Arial" panose="020B0604020202020204" pitchFamily="34" charset="0"/>
-              </a:rPr>
-              <a:t> and </a:t>
-            </a:r>
-            <a:r>
-              <a:rPr lang="en-US" altLang="en-US" b="1" dirty="0" err="1" smtClean="0">
-                <a:latin typeface="Arial" panose="020B0604020202020204" pitchFamily="34" charset="0"/>
-              </a:rPr>
-              <a:t>Rstudio</a:t>
-            </a:r>
-            <a:r>
-              <a:rPr lang="en-US" altLang="en-US" b="1" dirty="0" smtClean="0">
-                <a:latin typeface="Arial" panose="020B0604020202020204" pitchFamily="34" charset="0"/>
-              </a:rPr>
+              <a:rPr lang="de-DE" dirty="0" smtClean="0"/>
+              <a:t>   (</a:t>
+            </a:r>
+            <a:r>
+              <a:rPr lang="de-DE" dirty="0" smtClean="0"/>
+              <a:t>File -&gt; New Project… -&gt; Version </a:t>
+            </a:r>
+            <a:r>
+              <a:rPr lang="de-DE" dirty="0" err="1" smtClean="0"/>
+              <a:t>Control</a:t>
+            </a:r>
+            <a:r>
+              <a:rPr lang="de-DE" dirty="0" smtClean="0"/>
+              <a:t> -&gt; </a:t>
+            </a:r>
+            <a:r>
+              <a:rPr lang="de-DE" dirty="0" err="1" smtClean="0"/>
+              <a:t>Git</a:t>
+            </a:r>
+            <a:r>
+              <a:rPr lang="de-DE" dirty="0" smtClean="0"/>
+              <a:t> -&gt; </a:t>
+            </a:r>
+            <a:r>
+              <a:rPr lang="de-DE" dirty="0" err="1" smtClean="0"/>
+              <a:t>insert</a:t>
+            </a:r>
+            <a:r>
+              <a:rPr lang="de-DE" dirty="0" smtClean="0"/>
+              <a:t> URL </a:t>
+            </a:r>
+            <a:r>
+              <a:rPr lang="de-DE" dirty="0" err="1" smtClean="0"/>
+              <a:t>of</a:t>
+            </a:r>
+            <a:r>
+              <a:rPr lang="de-DE" dirty="0" smtClean="0"/>
+              <a:t>  </a:t>
+            </a:r>
+          </a:p>
+          <a:p>
+            <a:pPr marL="0" indent="0">
+              <a:buNone/>
+            </a:pPr>
+            <a:r>
+              <a:rPr lang="de-DE" dirty="0" smtClean="0"/>
+              <a:t>   </a:t>
+            </a:r>
+            <a:r>
+              <a:rPr lang="de-DE" dirty="0" err="1" smtClean="0"/>
+              <a:t>existing</a:t>
+            </a:r>
+            <a:r>
+              <a:rPr lang="de-DE" dirty="0" smtClean="0"/>
               <a:t> </a:t>
             </a:r>
             <a:r>
-              <a:rPr lang="en-US" altLang="en-US" dirty="0">
-                <a:latin typeface="Arial" panose="020B0604020202020204" pitchFamily="34" charset="0"/>
-              </a:rPr>
-              <a:t>installed on your computer.</a:t>
-            </a:r>
-            <a:br>
-              <a:rPr lang="en-US" altLang="en-US" dirty="0">
-                <a:latin typeface="Arial" panose="020B0604020202020204" pitchFamily="34" charset="0"/>
-              </a:rPr>
-            </a:br>
-            <a:endParaRPr lang="en-US" altLang="en-US" dirty="0">
-              <a:latin typeface="Arial" panose="020B0604020202020204" pitchFamily="34" charset="0"/>
-            </a:endParaRPr>
-          </a:p>
-          <a:p>
-            <a:pPr lvl="0" eaLnBrk="0" fontAlgn="base" hangingPunct="0">
-              <a:spcBef>
-                <a:spcPct val="0"/>
-              </a:spcBef>
-              <a:spcAft>
-                <a:spcPct val="0"/>
-              </a:spcAft>
+              <a:rPr lang="de-DE" dirty="0" err="1" smtClean="0"/>
+              <a:t>project</a:t>
+            </a:r>
+            <a:r>
+              <a:rPr lang="de-DE" dirty="0" smtClean="0"/>
+              <a:t> on </a:t>
+            </a:r>
+            <a:r>
+              <a:rPr lang="de-DE" dirty="0" err="1" smtClean="0"/>
+              <a:t>Github</a:t>
+            </a:r>
+            <a:r>
+              <a:rPr lang="de-DE" dirty="0" smtClean="0"/>
+              <a:t>)</a:t>
+            </a:r>
+          </a:p>
+          <a:p>
+            <a:pPr>
+              <a:buNone/>
             </a:pPr>
-            <a:r>
-              <a:rPr lang="en-US" altLang="en-US" dirty="0" smtClean="0">
-                <a:latin typeface="Arial" panose="020B0604020202020204" pitchFamily="34" charset="0"/>
-              </a:rPr>
-              <a:t>Configure </a:t>
-            </a:r>
-            <a:r>
-              <a:rPr lang="en-US" altLang="en-US" b="1" dirty="0" err="1">
-                <a:latin typeface="Arial" panose="020B0604020202020204" pitchFamily="34" charset="0"/>
-              </a:rPr>
-              <a:t>git</a:t>
-            </a:r>
-            <a:r>
-              <a:rPr lang="en-US" altLang="en-US" dirty="0">
-                <a:latin typeface="Arial" panose="020B0604020202020204" pitchFamily="34" charset="0"/>
-              </a:rPr>
-              <a:t> with global commands. Open up the Bash version of </a:t>
-            </a:r>
-            <a:r>
-              <a:rPr lang="en-US" altLang="en-US" dirty="0" err="1">
-                <a:latin typeface="Arial" panose="020B0604020202020204" pitchFamily="34" charset="0"/>
-              </a:rPr>
-              <a:t>Git</a:t>
-            </a:r>
-            <a:r>
-              <a:rPr lang="en-US" altLang="en-US" dirty="0">
-                <a:latin typeface="Arial" panose="020B0604020202020204" pitchFamily="34" charset="0"/>
-              </a:rPr>
-              <a:t> and type the following</a:t>
-            </a:r>
-            <a:r>
-              <a:rPr lang="en-US" altLang="en-US" dirty="0" smtClean="0">
-                <a:latin typeface="Arial" panose="020B0604020202020204" pitchFamily="34" charset="0"/>
-              </a:rPr>
-              <a:t>:</a:t>
-            </a:r>
-          </a:p>
-          <a:p>
-            <a:pPr lvl="0" eaLnBrk="0" fontAlgn="base" hangingPunct="0">
-              <a:spcBef>
-                <a:spcPct val="0"/>
-              </a:spcBef>
-              <a:spcAft>
-                <a:spcPct val="0"/>
-              </a:spcAft>
-              <a:buFontTx/>
-              <a:buAutoNum type="arabicPeriod" startAt="2"/>
-            </a:pPr>
-            <a:endParaRPr kumimoji="0" lang="en-US" altLang="en-US" sz="1000" b="0" i="0" u="none" strike="noStrike" cap="none" normalizeH="0" baseline="0" dirty="0">
-              <a:ln>
-                <a:noFill/>
-              </a:ln>
-              <a:solidFill>
-                <a:schemeClr val="tx1"/>
-              </a:solidFill>
-              <a:effectLst/>
-              <a:latin typeface="Arial" panose="020B0604020202020204" pitchFamily="34" charset="0"/>
-            </a:endParaRPr>
-          </a:p>
-          <a:p>
-            <a:pPr lvl="0" eaLnBrk="0" fontAlgn="base" hangingPunct="0">
-              <a:spcBef>
-                <a:spcPct val="0"/>
-              </a:spcBef>
-              <a:spcAft>
-                <a:spcPct val="0"/>
-              </a:spcAft>
-            </a:pPr>
-            <a:endParaRPr kumimoji="0" lang="en-US" altLang="en-US" sz="1000" b="0" i="0" u="none" strike="noStrike" cap="none" normalizeH="0" baseline="0" dirty="0" smtClean="0">
-              <a:ln>
-                <a:noFill/>
-              </a:ln>
-              <a:solidFill>
-                <a:schemeClr val="tx1"/>
-              </a:solidFill>
-              <a:effectLst/>
-              <a:latin typeface="Arial Unicode MS" panose="020B0604020202020204" pitchFamily="34" charset="-128"/>
-            </a:endParaRPr>
-          </a:p>
-          <a:p>
-            <a:pPr lvl="0" eaLnBrk="0" fontAlgn="base" hangingPunct="0">
-              <a:spcBef>
-                <a:spcPct val="0"/>
-              </a:spcBef>
-              <a:spcAft>
-                <a:spcPct val="0"/>
-              </a:spcAft>
-            </a:pPr>
-            <a:r>
-              <a:rPr kumimoji="0" lang="en-US" altLang="en-US" sz="1600" b="0" i="0" u="none" strike="noStrike" cap="none" normalizeH="0" baseline="0" dirty="0" smtClean="0">
-                <a:ln>
-                  <a:noFill/>
-                </a:ln>
-                <a:solidFill>
-                  <a:schemeClr val="tx1"/>
-                </a:solidFill>
-                <a:effectLst/>
-                <a:latin typeface="Courier New" panose="02070309020205020404" pitchFamily="49" charset="0"/>
-                <a:cs typeface="Courier New" panose="02070309020205020404" pitchFamily="49" charset="0"/>
-              </a:rPr>
-              <a:t># display your version of </a:t>
-            </a:r>
-            <a:r>
-              <a:rPr kumimoji="0" lang="en-US" altLang="en-US" sz="1600" b="0" i="0" u="none" strike="noStrike" cap="none" normalizeH="0" baseline="0" dirty="0" err="1" smtClean="0">
-                <a:ln>
-                  <a:noFill/>
-                </a:ln>
-                <a:solidFill>
-                  <a:schemeClr val="tx1"/>
-                </a:solidFill>
-                <a:effectLst/>
-                <a:latin typeface="Courier New" panose="02070309020205020404" pitchFamily="49" charset="0"/>
-                <a:cs typeface="Courier New" panose="02070309020205020404" pitchFamily="49" charset="0"/>
-              </a:rPr>
-              <a:t>git</a:t>
-            </a:r>
-            <a:r>
-              <a:rPr kumimoji="0" lang="en-US" altLang="en-US" sz="1600" b="0" i="0" u="none" strike="noStrike" cap="none" normalizeH="0" baseline="0" dirty="0" smtClean="0">
-                <a:ln>
-                  <a:noFill/>
-                </a:ln>
-                <a:solidFill>
-                  <a:schemeClr val="tx1"/>
-                </a:solidFill>
-                <a:effectLst/>
-                <a:latin typeface="Courier New" panose="02070309020205020404" pitchFamily="49" charset="0"/>
-                <a:cs typeface="Courier New" panose="02070309020205020404" pitchFamily="49" charset="0"/>
-              </a:rPr>
-              <a:t> </a:t>
-            </a:r>
-          </a:p>
-          <a:p>
-            <a:pPr lvl="0" eaLnBrk="0" fontAlgn="base" hangingPunct="0">
-              <a:spcBef>
-                <a:spcPct val="0"/>
-              </a:spcBef>
-              <a:spcAft>
-                <a:spcPct val="0"/>
-              </a:spcAft>
-            </a:pPr>
-            <a:r>
-              <a:rPr kumimoji="0" lang="en-US" altLang="en-US" sz="1600" b="0" i="0" u="none" strike="noStrike" cap="none" normalizeH="0" baseline="0" dirty="0" err="1" smtClean="0">
-                <a:ln>
-                  <a:noFill/>
-                </a:ln>
-                <a:solidFill>
-                  <a:schemeClr val="tx1"/>
-                </a:solidFill>
-                <a:effectLst/>
-                <a:latin typeface="Courier New" panose="02070309020205020404" pitchFamily="49" charset="0"/>
-                <a:cs typeface="Courier New" panose="02070309020205020404" pitchFamily="49" charset="0"/>
-              </a:rPr>
-              <a:t>git</a:t>
-            </a:r>
-            <a:r>
-              <a:rPr kumimoji="0" lang="en-US" altLang="en-US" sz="1600" b="0" i="0" u="none" strike="noStrike" cap="none" normalizeH="0" baseline="0" dirty="0" smtClean="0">
-                <a:ln>
-                  <a:noFill/>
-                </a:ln>
-                <a:solidFill>
-                  <a:schemeClr val="tx1"/>
-                </a:solidFill>
-                <a:effectLst/>
-                <a:latin typeface="Courier New" panose="02070309020205020404" pitchFamily="49" charset="0"/>
-                <a:cs typeface="Courier New" panose="02070309020205020404" pitchFamily="49" charset="0"/>
-              </a:rPr>
-              <a:t> --version </a:t>
-            </a:r>
-          </a:p>
-          <a:p>
-            <a:pPr lvl="0" eaLnBrk="0" fontAlgn="base" hangingPunct="0">
-              <a:spcBef>
-                <a:spcPct val="0"/>
-              </a:spcBef>
-              <a:spcAft>
-                <a:spcPct val="0"/>
-              </a:spcAft>
-            </a:pPr>
-            <a:r>
-              <a:rPr kumimoji="0" lang="en-US" altLang="en-US" sz="1600" b="0" i="0" u="none" strike="noStrike" cap="none" normalizeH="0" baseline="0" dirty="0" smtClean="0">
-                <a:ln>
-                  <a:noFill/>
-                </a:ln>
-                <a:solidFill>
-                  <a:schemeClr val="tx1"/>
-                </a:solidFill>
-                <a:effectLst/>
-                <a:latin typeface="Courier New" panose="02070309020205020404" pitchFamily="49" charset="0"/>
-                <a:cs typeface="Courier New" panose="02070309020205020404" pitchFamily="49" charset="0"/>
-              </a:rPr>
-              <a:t># replace USER with your </a:t>
-            </a:r>
-            <a:r>
-              <a:rPr kumimoji="0" lang="en-US" altLang="en-US" sz="1600" b="0" i="0" u="none" strike="noStrike" cap="none" normalizeH="0" baseline="0" dirty="0" err="1" smtClean="0">
-                <a:ln>
-                  <a:noFill/>
-                </a:ln>
-                <a:solidFill>
-                  <a:schemeClr val="tx1"/>
-                </a:solidFill>
-                <a:effectLst/>
-                <a:latin typeface="Courier New" panose="02070309020205020404" pitchFamily="49" charset="0"/>
-                <a:cs typeface="Courier New" panose="02070309020205020404" pitchFamily="49" charset="0"/>
-              </a:rPr>
-              <a:t>Github</a:t>
-            </a:r>
-            <a:r>
-              <a:rPr kumimoji="0" lang="en-US" altLang="en-US" sz="1600" b="0" i="0" u="none" strike="noStrike" cap="none" normalizeH="0" baseline="0" dirty="0" smtClean="0">
-                <a:ln>
-                  <a:noFill/>
-                </a:ln>
-                <a:solidFill>
-                  <a:schemeClr val="tx1"/>
-                </a:solidFill>
-                <a:effectLst/>
-                <a:latin typeface="Courier New" panose="02070309020205020404" pitchFamily="49" charset="0"/>
-                <a:cs typeface="Courier New" panose="02070309020205020404" pitchFamily="49" charset="0"/>
-              </a:rPr>
-              <a:t> user account </a:t>
-            </a:r>
-          </a:p>
-          <a:p>
-            <a:pPr lvl="0" eaLnBrk="0" fontAlgn="base" hangingPunct="0">
-              <a:spcBef>
-                <a:spcPct val="0"/>
-              </a:spcBef>
-              <a:spcAft>
-                <a:spcPct val="0"/>
-              </a:spcAft>
-            </a:pPr>
-            <a:r>
-              <a:rPr kumimoji="0" lang="en-US" altLang="en-US" sz="1600" b="0" i="0" u="none" strike="noStrike" cap="none" normalizeH="0" baseline="0" dirty="0" err="1" smtClean="0">
-                <a:ln>
-                  <a:noFill/>
-                </a:ln>
-                <a:solidFill>
-                  <a:schemeClr val="tx1"/>
-                </a:solidFill>
-                <a:effectLst/>
-                <a:latin typeface="Courier New" panose="02070309020205020404" pitchFamily="49" charset="0"/>
-                <a:cs typeface="Courier New" panose="02070309020205020404" pitchFamily="49" charset="0"/>
-              </a:rPr>
-              <a:t>git</a:t>
-            </a:r>
-            <a:r>
-              <a:rPr kumimoji="0" lang="en-US" altLang="en-US" sz="1600" b="0" i="0" u="none" strike="noStrike" cap="none" normalizeH="0" baseline="0" dirty="0" smtClean="0">
-                <a:ln>
-                  <a:noFill/>
-                </a:ln>
-                <a:solidFill>
-                  <a:schemeClr val="tx1"/>
-                </a:solidFill>
-                <a:effectLst/>
-                <a:latin typeface="Courier New" panose="02070309020205020404" pitchFamily="49" charset="0"/>
-                <a:cs typeface="Courier New" panose="02070309020205020404" pitchFamily="49" charset="0"/>
-              </a:rPr>
-              <a:t> </a:t>
-            </a:r>
-            <a:r>
-              <a:rPr kumimoji="0" lang="en-US" altLang="en-US" sz="1600" b="0" i="0" u="none" strike="noStrike" cap="none" normalizeH="0" baseline="0" dirty="0" err="1" smtClean="0">
-                <a:ln>
-                  <a:noFill/>
-                </a:ln>
-                <a:solidFill>
-                  <a:schemeClr val="tx1"/>
-                </a:solidFill>
-                <a:effectLst/>
-                <a:latin typeface="Courier New" panose="02070309020205020404" pitchFamily="49" charset="0"/>
-                <a:cs typeface="Courier New" panose="02070309020205020404" pitchFamily="49" charset="0"/>
-              </a:rPr>
-              <a:t>config</a:t>
-            </a:r>
-            <a:r>
-              <a:rPr kumimoji="0" lang="en-US" altLang="en-US" sz="1600" b="0" i="0" u="none" strike="noStrike" cap="none" normalizeH="0" baseline="0" dirty="0" smtClean="0">
-                <a:ln>
-                  <a:noFill/>
-                </a:ln>
-                <a:solidFill>
-                  <a:schemeClr val="tx1"/>
-                </a:solidFill>
-                <a:effectLst/>
-                <a:latin typeface="Courier New" panose="02070309020205020404" pitchFamily="49" charset="0"/>
-                <a:cs typeface="Courier New" panose="02070309020205020404" pitchFamily="49" charset="0"/>
-              </a:rPr>
-              <a:t> –-global user.name USER </a:t>
-            </a:r>
-          </a:p>
-          <a:p>
-            <a:pPr lvl="0" eaLnBrk="0" fontAlgn="base" hangingPunct="0">
-              <a:spcBef>
-                <a:spcPct val="0"/>
-              </a:spcBef>
-              <a:spcAft>
-                <a:spcPct val="0"/>
-              </a:spcAft>
-            </a:pPr>
-            <a:r>
-              <a:rPr kumimoji="0" lang="en-US" altLang="en-US" sz="1600" b="0" i="0" u="none" strike="noStrike" cap="none" normalizeH="0" baseline="0" dirty="0" smtClean="0">
-                <a:ln>
-                  <a:noFill/>
-                </a:ln>
-                <a:solidFill>
-                  <a:schemeClr val="tx1"/>
-                </a:solidFill>
-                <a:effectLst/>
-                <a:latin typeface="Courier New" panose="02070309020205020404" pitchFamily="49" charset="0"/>
-                <a:cs typeface="Courier New" panose="02070309020205020404" pitchFamily="49" charset="0"/>
-              </a:rPr>
-              <a:t># replace </a:t>
-            </a:r>
-            <a:r>
-              <a:rPr kumimoji="0" lang="en-US" altLang="en-US" sz="1600" b="0" i="0" u="none" strike="noStrike" cap="none" normalizeH="0" baseline="0" dirty="0" smtClean="0">
-                <a:ln>
-                  <a:noFill/>
-                </a:ln>
-                <a:solidFill>
-                  <a:schemeClr val="tx1"/>
-                </a:solidFill>
-                <a:effectLst/>
-                <a:latin typeface="Courier New" panose="02070309020205020404" pitchFamily="49" charset="0"/>
-                <a:cs typeface="Courier New" panose="02070309020205020404" pitchFamily="49" charset="0"/>
-                <a:hlinkClick r:id="rId2"/>
-              </a:rPr>
-              <a:t>USER@UMAIL.UCSB.EDU</a:t>
-            </a:r>
-            <a:r>
-              <a:rPr kumimoji="0" lang="en-US" altLang="en-US" sz="1600" b="0" i="0" u="none" strike="noStrike" cap="none" normalizeH="0" baseline="0" dirty="0" smtClean="0">
-                <a:ln>
-                  <a:noFill/>
-                </a:ln>
-                <a:solidFill>
-                  <a:schemeClr val="tx1"/>
-                </a:solidFill>
-                <a:effectLst/>
-                <a:latin typeface="Courier New" panose="02070309020205020404" pitchFamily="49" charset="0"/>
-                <a:cs typeface="Courier New" panose="02070309020205020404" pitchFamily="49" charset="0"/>
-              </a:rPr>
-              <a:t> with the email you used to register with </a:t>
-            </a:r>
-            <a:r>
-              <a:rPr kumimoji="0" lang="en-US" altLang="en-US" sz="1600" b="0" i="0" u="none" strike="noStrike" cap="none" normalizeH="0" baseline="0" dirty="0" err="1" smtClean="0">
-                <a:ln>
-                  <a:noFill/>
-                </a:ln>
-                <a:solidFill>
-                  <a:schemeClr val="tx1"/>
-                </a:solidFill>
-                <a:effectLst/>
-                <a:latin typeface="Courier New" panose="02070309020205020404" pitchFamily="49" charset="0"/>
-                <a:cs typeface="Courier New" panose="02070309020205020404" pitchFamily="49" charset="0"/>
-              </a:rPr>
-              <a:t>Github</a:t>
-            </a:r>
-            <a:r>
-              <a:rPr kumimoji="0" lang="en-US" altLang="en-US" sz="1600" b="0" i="0" u="none" strike="noStrike" cap="none" normalizeH="0" baseline="0" dirty="0" smtClean="0">
-                <a:ln>
-                  <a:noFill/>
-                </a:ln>
-                <a:solidFill>
-                  <a:schemeClr val="tx1"/>
-                </a:solidFill>
-                <a:effectLst/>
-                <a:latin typeface="Courier New" panose="02070309020205020404" pitchFamily="49" charset="0"/>
-                <a:cs typeface="Courier New" panose="02070309020205020404" pitchFamily="49" charset="0"/>
-              </a:rPr>
-              <a:t> </a:t>
-            </a:r>
-          </a:p>
-          <a:p>
-            <a:pPr lvl="0" eaLnBrk="0" fontAlgn="base" hangingPunct="0">
-              <a:spcBef>
-                <a:spcPct val="0"/>
-              </a:spcBef>
-              <a:spcAft>
-                <a:spcPct val="0"/>
-              </a:spcAft>
-            </a:pPr>
-            <a:r>
-              <a:rPr kumimoji="0" lang="en-US" altLang="en-US" sz="1600" b="0" i="0" u="none" strike="noStrike" cap="none" normalizeH="0" baseline="0" dirty="0" err="1" smtClean="0">
-                <a:ln>
-                  <a:noFill/>
-                </a:ln>
-                <a:solidFill>
-                  <a:schemeClr val="tx1"/>
-                </a:solidFill>
-                <a:effectLst/>
-                <a:latin typeface="Courier New" panose="02070309020205020404" pitchFamily="49" charset="0"/>
-                <a:cs typeface="Courier New" panose="02070309020205020404" pitchFamily="49" charset="0"/>
-              </a:rPr>
-              <a:t>git</a:t>
-            </a:r>
-            <a:r>
-              <a:rPr kumimoji="0" lang="en-US" altLang="en-US" sz="1600" b="0" i="0" u="none" strike="noStrike" cap="none" normalizeH="0" baseline="0" dirty="0" smtClean="0">
-                <a:ln>
-                  <a:noFill/>
-                </a:ln>
-                <a:solidFill>
-                  <a:schemeClr val="tx1"/>
-                </a:solidFill>
-                <a:effectLst/>
-                <a:latin typeface="Courier New" panose="02070309020205020404" pitchFamily="49" charset="0"/>
-                <a:cs typeface="Courier New" panose="02070309020205020404" pitchFamily="49" charset="0"/>
-              </a:rPr>
-              <a:t> </a:t>
-            </a:r>
-            <a:r>
-              <a:rPr kumimoji="0" lang="en-US" altLang="en-US" sz="1600" b="0" i="0" u="none" strike="noStrike" cap="none" normalizeH="0" baseline="0" dirty="0" err="1" smtClean="0">
-                <a:ln>
-                  <a:noFill/>
-                </a:ln>
-                <a:solidFill>
-                  <a:schemeClr val="tx1"/>
-                </a:solidFill>
-                <a:effectLst/>
-                <a:latin typeface="Courier New" panose="02070309020205020404" pitchFamily="49" charset="0"/>
-                <a:cs typeface="Courier New" panose="02070309020205020404" pitchFamily="49" charset="0"/>
-              </a:rPr>
-              <a:t>config</a:t>
-            </a:r>
-            <a:r>
-              <a:rPr kumimoji="0" lang="en-US" altLang="en-US" sz="1600" b="0" i="0" u="none" strike="noStrike" cap="none" normalizeH="0" baseline="0" dirty="0" smtClean="0">
-                <a:ln>
-                  <a:noFill/>
-                </a:ln>
-                <a:solidFill>
-                  <a:schemeClr val="tx1"/>
-                </a:solidFill>
-                <a:effectLst/>
-                <a:latin typeface="Courier New" panose="02070309020205020404" pitchFamily="49" charset="0"/>
-                <a:cs typeface="Courier New" panose="02070309020205020404" pitchFamily="49" charset="0"/>
-              </a:rPr>
-              <a:t> –-global </a:t>
-            </a:r>
-            <a:r>
-              <a:rPr kumimoji="0" lang="en-US" altLang="en-US" sz="1600" b="0" i="0" u="none" strike="noStrike" cap="none" normalizeH="0" baseline="0" dirty="0" err="1" smtClean="0">
-                <a:ln>
-                  <a:noFill/>
-                </a:ln>
-                <a:solidFill>
-                  <a:schemeClr val="tx1"/>
-                </a:solidFill>
-                <a:effectLst/>
-                <a:latin typeface="Courier New" panose="02070309020205020404" pitchFamily="49" charset="0"/>
-                <a:cs typeface="Courier New" panose="02070309020205020404" pitchFamily="49" charset="0"/>
-              </a:rPr>
-              <a:t>user.email</a:t>
-            </a:r>
-            <a:r>
-              <a:rPr kumimoji="0" lang="en-US" altLang="en-US" sz="1600" b="0" i="0" u="none" strike="noStrike" cap="none" normalizeH="0" baseline="0" dirty="0" smtClean="0">
-                <a:ln>
-                  <a:noFill/>
-                </a:ln>
-                <a:solidFill>
-                  <a:schemeClr val="tx1"/>
-                </a:solidFill>
-                <a:effectLst/>
-                <a:latin typeface="Courier New" panose="02070309020205020404" pitchFamily="49" charset="0"/>
-                <a:cs typeface="Courier New" panose="02070309020205020404" pitchFamily="49" charset="0"/>
-              </a:rPr>
-              <a:t> </a:t>
-            </a:r>
-            <a:r>
-              <a:rPr kumimoji="0" lang="en-US" altLang="en-US" sz="1600" b="0" i="0" u="none" strike="noStrike" cap="none" normalizeH="0" baseline="0" dirty="0" smtClean="0">
-                <a:ln>
-                  <a:noFill/>
-                </a:ln>
-                <a:solidFill>
-                  <a:schemeClr val="tx1"/>
-                </a:solidFill>
-                <a:effectLst/>
-                <a:latin typeface="Courier New" panose="02070309020205020404" pitchFamily="49" charset="0"/>
-                <a:cs typeface="Courier New" panose="02070309020205020404" pitchFamily="49" charset="0"/>
-                <a:hlinkClick r:id="rId2"/>
-              </a:rPr>
-              <a:t>USER@UMAIL.UCSB.EDU</a:t>
-            </a:r>
-            <a:r>
-              <a:rPr kumimoji="0" lang="en-US" altLang="en-US" sz="1600" b="0" i="0" u="none" strike="noStrike" cap="none" normalizeH="0" baseline="0" dirty="0" smtClean="0">
-                <a:ln>
-                  <a:noFill/>
-                </a:ln>
-                <a:solidFill>
-                  <a:schemeClr val="tx1"/>
-                </a:solidFill>
-                <a:effectLst/>
-                <a:latin typeface="Courier New" panose="02070309020205020404" pitchFamily="49" charset="0"/>
-                <a:cs typeface="Courier New" panose="02070309020205020404" pitchFamily="49" charset="0"/>
-              </a:rPr>
-              <a:t> </a:t>
-            </a:r>
-          </a:p>
-          <a:p>
-            <a:pPr lvl="0" eaLnBrk="0" fontAlgn="base" hangingPunct="0">
-              <a:spcBef>
-                <a:spcPct val="0"/>
-              </a:spcBef>
-              <a:spcAft>
-                <a:spcPct val="0"/>
-              </a:spcAft>
-            </a:pPr>
-            <a:r>
-              <a:rPr kumimoji="0" lang="en-US" altLang="en-US" sz="1600" b="0" i="0" u="none" strike="noStrike" cap="none" normalizeH="0" baseline="0" dirty="0" smtClean="0">
-                <a:ln>
-                  <a:noFill/>
-                </a:ln>
-                <a:solidFill>
-                  <a:schemeClr val="tx1"/>
-                </a:solidFill>
-                <a:effectLst/>
-                <a:latin typeface="Courier New" panose="02070309020205020404" pitchFamily="49" charset="0"/>
-                <a:cs typeface="Courier New" panose="02070309020205020404" pitchFamily="49" charset="0"/>
-              </a:rPr>
-              <a:t># list your </a:t>
-            </a:r>
-            <a:r>
-              <a:rPr kumimoji="0" lang="en-US" altLang="en-US" sz="1600" b="0" i="0" u="none" strike="noStrike" cap="none" normalizeH="0" baseline="0" dirty="0" err="1" smtClean="0">
-                <a:ln>
-                  <a:noFill/>
-                </a:ln>
-                <a:solidFill>
-                  <a:schemeClr val="tx1"/>
-                </a:solidFill>
-                <a:effectLst/>
-                <a:latin typeface="Courier New" panose="02070309020205020404" pitchFamily="49" charset="0"/>
-                <a:cs typeface="Courier New" panose="02070309020205020404" pitchFamily="49" charset="0"/>
-              </a:rPr>
-              <a:t>config</a:t>
-            </a:r>
-            <a:r>
-              <a:rPr kumimoji="0" lang="en-US" altLang="en-US" sz="1600" b="0" i="0" u="none" strike="noStrike" cap="none" normalizeH="0" baseline="0" dirty="0" smtClean="0">
-                <a:ln>
-                  <a:noFill/>
-                </a:ln>
-                <a:solidFill>
-                  <a:schemeClr val="tx1"/>
-                </a:solidFill>
-                <a:effectLst/>
-                <a:latin typeface="Courier New" panose="02070309020205020404" pitchFamily="49" charset="0"/>
-                <a:cs typeface="Courier New" panose="02070309020205020404" pitchFamily="49" charset="0"/>
-              </a:rPr>
-              <a:t> to confirm user.* variables set </a:t>
-            </a:r>
-          </a:p>
-          <a:p>
-            <a:pPr lvl="0" eaLnBrk="0" fontAlgn="base" hangingPunct="0">
-              <a:spcBef>
-                <a:spcPct val="0"/>
-              </a:spcBef>
-              <a:spcAft>
-                <a:spcPct val="0"/>
-              </a:spcAft>
-            </a:pPr>
-            <a:r>
-              <a:rPr kumimoji="0" lang="en-US" altLang="en-US" sz="1600" b="0" i="0" u="none" strike="noStrike" cap="none" normalizeH="0" baseline="0" dirty="0" err="1" smtClean="0">
-                <a:ln>
-                  <a:noFill/>
-                </a:ln>
-                <a:solidFill>
-                  <a:schemeClr val="tx1"/>
-                </a:solidFill>
-                <a:effectLst/>
-                <a:latin typeface="Courier New" panose="02070309020205020404" pitchFamily="49" charset="0"/>
-                <a:cs typeface="Courier New" panose="02070309020205020404" pitchFamily="49" charset="0"/>
-              </a:rPr>
-              <a:t>git</a:t>
-            </a:r>
-            <a:r>
-              <a:rPr kumimoji="0" lang="en-US" altLang="en-US" sz="1600" b="0" i="0" u="none" strike="noStrike" cap="none" normalizeH="0" baseline="0" dirty="0" smtClean="0">
-                <a:ln>
-                  <a:noFill/>
-                </a:ln>
-                <a:solidFill>
-                  <a:schemeClr val="tx1"/>
-                </a:solidFill>
-                <a:effectLst/>
-                <a:latin typeface="Courier New" panose="02070309020205020404" pitchFamily="49" charset="0"/>
-                <a:cs typeface="Courier New" panose="02070309020205020404" pitchFamily="49" charset="0"/>
-              </a:rPr>
-              <a:t> </a:t>
-            </a:r>
-            <a:r>
-              <a:rPr kumimoji="0" lang="en-US" altLang="en-US" sz="1600" b="0" i="0" u="none" strike="noStrike" cap="none" normalizeH="0" baseline="0" dirty="0" err="1" smtClean="0">
-                <a:ln>
-                  <a:noFill/>
-                </a:ln>
-                <a:solidFill>
-                  <a:schemeClr val="tx1"/>
-                </a:solidFill>
-                <a:effectLst/>
-                <a:latin typeface="Courier New" panose="02070309020205020404" pitchFamily="49" charset="0"/>
-                <a:cs typeface="Courier New" panose="02070309020205020404" pitchFamily="49" charset="0"/>
-              </a:rPr>
-              <a:t>config</a:t>
-            </a:r>
-            <a:r>
-              <a:rPr kumimoji="0" lang="en-US" altLang="en-US" sz="1600" b="0" i="0" u="none" strike="noStrike" cap="none" normalizeH="0" baseline="0" dirty="0" smtClean="0">
-                <a:ln>
-                  <a:noFill/>
-                </a:ln>
-                <a:solidFill>
-                  <a:schemeClr val="tx1"/>
-                </a:solidFill>
-                <a:effectLst/>
-                <a:latin typeface="Courier New" panose="02070309020205020404" pitchFamily="49" charset="0"/>
-                <a:cs typeface="Courier New" panose="02070309020205020404" pitchFamily="49" charset="0"/>
-              </a:rPr>
-              <a:t> --list </a:t>
-            </a:r>
-            <a:endParaRPr lang="en-US" altLang="en-US" sz="1600" dirty="0">
-              <a:latin typeface="Courier New" panose="02070309020205020404" pitchFamily="49" charset="0"/>
-              <a:cs typeface="Courier New" panose="02070309020205020404" pitchFamily="49" charset="0"/>
-            </a:endParaRPr>
-          </a:p>
-          <a:p>
-            <a:pPr lvl="0" eaLnBrk="0" fontAlgn="base" hangingPunct="0">
-              <a:spcBef>
-                <a:spcPct val="0"/>
-              </a:spcBef>
-              <a:spcAft>
-                <a:spcPct val="0"/>
-              </a:spcAft>
-            </a:pPr>
-            <a:endParaRPr lang="en-US" altLang="en-US" dirty="0">
-              <a:latin typeface="Arial" panose="020B0604020202020204" pitchFamily="34" charset="0"/>
-            </a:endParaRPr>
-          </a:p>
-          <a:p>
-            <a:endParaRPr lang="en-US" altLang="en-US" dirty="0" smtClean="0">
-              <a:latin typeface="Arial" panose="020B0604020202020204" pitchFamily="34" charset="0"/>
-            </a:endParaRPr>
-          </a:p>
-          <a:p>
-            <a:r>
-              <a:rPr lang="en-US" altLang="en-US" dirty="0" smtClean="0">
-                <a:latin typeface="Arial" panose="020B0604020202020204" pitchFamily="34" charset="0"/>
-              </a:rPr>
-              <a:t>Download </a:t>
-            </a:r>
-            <a:r>
-              <a:rPr lang="en-US" altLang="en-US" dirty="0">
-                <a:latin typeface="Arial" panose="020B0604020202020204" pitchFamily="34" charset="0"/>
-              </a:rPr>
-              <a:t>and install a text editor, e.g. notepad++</a:t>
-            </a:r>
-            <a:br>
-              <a:rPr lang="en-US" altLang="en-US" dirty="0">
-                <a:latin typeface="Arial" panose="020B0604020202020204" pitchFamily="34" charset="0"/>
-              </a:rPr>
-            </a:br>
-            <a:r>
-              <a:rPr lang="en-US" altLang="en-US" dirty="0">
-                <a:latin typeface="Arial" panose="020B0604020202020204" pitchFamily="34" charset="0"/>
-                <a:hlinkClick r:id="rId3"/>
-              </a:rPr>
-              <a:t>https://notepad-plus-plus.org/download/v7.2.html</a:t>
-            </a:r>
-            <a:r>
-              <a:rPr lang="en-US" altLang="en-US" dirty="0">
-                <a:latin typeface="Arial" panose="020B0604020202020204" pitchFamily="34" charset="0"/>
-              </a:rPr>
-              <a:t/>
-            </a:r>
-            <a:br>
-              <a:rPr lang="en-US" altLang="en-US" dirty="0">
-                <a:latin typeface="Arial" panose="020B0604020202020204" pitchFamily="34" charset="0"/>
-              </a:rPr>
-            </a:br>
-            <a:r>
-              <a:rPr lang="en-US" altLang="en-US" b="1" dirty="0">
-                <a:latin typeface="Arial" panose="020B0604020202020204" pitchFamily="34" charset="0"/>
-              </a:rPr>
-              <a:t>Be aware that you must </a:t>
-            </a:r>
-            <a:r>
-              <a:rPr lang="en-US" altLang="en-US" b="1" dirty="0" smtClean="0">
-                <a:latin typeface="Arial" panose="020B0604020202020204" pitchFamily="34" charset="0"/>
-              </a:rPr>
-              <a:t>add </a:t>
-            </a:r>
-            <a:r>
-              <a:rPr lang="en-US" altLang="en-US" b="1" dirty="0">
-                <a:latin typeface="Arial" panose="020B0604020202020204" pitchFamily="34" charset="0"/>
-              </a:rPr>
-              <a:t>its installation directory to your system path</a:t>
-            </a:r>
-            <a:r>
-              <a:rPr lang="en-US" altLang="en-US" b="1" dirty="0" smtClean="0">
-                <a:latin typeface="Arial" panose="020B0604020202020204" pitchFamily="34" charset="0"/>
-              </a:rPr>
-              <a:t>.</a:t>
-            </a:r>
-          </a:p>
-          <a:p>
-            <a:r>
-              <a:rPr lang="en-US" dirty="0" smtClean="0">
-                <a:latin typeface="Arial" panose="020B0604020202020204" pitchFamily="34" charset="0"/>
-              </a:rPr>
-              <a:t>Type this into your </a:t>
-            </a:r>
-            <a:r>
-              <a:rPr lang="en-US" dirty="0" err="1" smtClean="0">
-                <a:latin typeface="Arial" panose="020B0604020202020204" pitchFamily="34" charset="0"/>
-              </a:rPr>
-              <a:t>Git</a:t>
-            </a:r>
-            <a:r>
-              <a:rPr lang="en-US" dirty="0" smtClean="0">
-                <a:latin typeface="Arial" panose="020B0604020202020204" pitchFamily="34" charset="0"/>
-              </a:rPr>
-              <a:t> Shell:</a:t>
-            </a:r>
-          </a:p>
-          <a:p>
-            <a:r>
-              <a:rPr kumimoji="0" lang="en-US" altLang="en-US" sz="1600" b="0" i="0" u="none" strike="noStrike" cap="none" normalizeH="0" baseline="0" dirty="0" err="1" smtClean="0">
-                <a:ln>
-                  <a:noFill/>
-                </a:ln>
-                <a:solidFill>
-                  <a:schemeClr val="tx1"/>
-                </a:solidFill>
-                <a:effectLst/>
-                <a:latin typeface="Courier New" panose="02070309020205020404" pitchFamily="49" charset="0"/>
-                <a:cs typeface="Courier New" panose="02070309020205020404" pitchFamily="49" charset="0"/>
-              </a:rPr>
-              <a:t>git</a:t>
-            </a:r>
-            <a:r>
-              <a:rPr kumimoji="0" lang="en-US" altLang="en-US" sz="1600" b="0" i="0" u="none" strike="noStrike" cap="none" normalizeH="0" baseline="0" dirty="0" smtClean="0">
-                <a:ln>
-                  <a:noFill/>
-                </a:ln>
-                <a:solidFill>
-                  <a:schemeClr val="tx1"/>
-                </a:solidFill>
-                <a:effectLst/>
-                <a:latin typeface="Courier New" panose="02070309020205020404" pitchFamily="49" charset="0"/>
-                <a:cs typeface="Courier New" panose="02070309020205020404" pitchFamily="49" charset="0"/>
-              </a:rPr>
-              <a:t> </a:t>
-            </a:r>
-            <a:r>
-              <a:rPr kumimoji="0" lang="en-US" altLang="en-US" sz="1600" b="0" i="0" u="none" strike="noStrike" cap="none" normalizeH="0" baseline="0" dirty="0" err="1" smtClean="0">
-                <a:ln>
-                  <a:noFill/>
-                </a:ln>
-                <a:solidFill>
-                  <a:schemeClr val="tx1"/>
-                </a:solidFill>
-                <a:effectLst/>
-                <a:latin typeface="Courier New" panose="02070309020205020404" pitchFamily="49" charset="0"/>
-                <a:cs typeface="Courier New" panose="02070309020205020404" pitchFamily="49" charset="0"/>
-              </a:rPr>
-              <a:t>config</a:t>
-            </a:r>
-            <a:r>
-              <a:rPr kumimoji="0" lang="en-US" altLang="en-US" sz="1600" b="0" i="0" u="none" strike="noStrike" cap="none" normalizeH="0" baseline="0" dirty="0" smtClean="0">
-                <a:ln>
-                  <a:noFill/>
-                </a:ln>
-                <a:solidFill>
-                  <a:schemeClr val="tx1"/>
-                </a:solidFill>
-                <a:effectLst/>
-                <a:latin typeface="Courier New" panose="02070309020205020404" pitchFamily="49" charset="0"/>
-                <a:cs typeface="Courier New" panose="02070309020205020404" pitchFamily="49" charset="0"/>
-              </a:rPr>
-              <a:t> --global </a:t>
-            </a:r>
-            <a:r>
-              <a:rPr kumimoji="0" lang="en-US" altLang="en-US" sz="1600" b="0" i="0" u="none" strike="noStrike" cap="none" normalizeH="0" baseline="0" dirty="0" err="1" smtClean="0">
-                <a:ln>
-                  <a:noFill/>
-                </a:ln>
-                <a:solidFill>
-                  <a:schemeClr val="tx1"/>
-                </a:solidFill>
-                <a:effectLst/>
-                <a:latin typeface="Courier New" panose="02070309020205020404" pitchFamily="49" charset="0"/>
-                <a:cs typeface="Courier New" panose="02070309020205020404" pitchFamily="49" charset="0"/>
-              </a:rPr>
-              <a:t>core.editor</a:t>
-            </a:r>
-            <a:r>
-              <a:rPr kumimoji="0" lang="en-US" altLang="en-US" sz="1600" b="0" i="0" u="none" strike="noStrike" cap="none" normalizeH="0" baseline="0" dirty="0" smtClean="0">
-                <a:ln>
-                  <a:noFill/>
-                </a:ln>
-                <a:solidFill>
-                  <a:schemeClr val="tx1"/>
-                </a:solidFill>
-                <a:effectLst/>
-                <a:latin typeface="Courier New" panose="02070309020205020404" pitchFamily="49" charset="0"/>
-                <a:cs typeface="Courier New" panose="02070309020205020404" pitchFamily="49" charset="0"/>
-              </a:rPr>
-              <a:t> "'C:/Program Files (x86)/Notepad++/notepad++.exe' -</a:t>
-            </a:r>
-            <a:r>
-              <a:rPr kumimoji="0" lang="en-US" altLang="en-US" sz="1600" b="0" i="0" u="none" strike="noStrike" cap="none" normalizeH="0" baseline="0" dirty="0" err="1" smtClean="0">
-                <a:ln>
-                  <a:noFill/>
-                </a:ln>
-                <a:solidFill>
-                  <a:schemeClr val="tx1"/>
-                </a:solidFill>
-                <a:effectLst/>
-                <a:latin typeface="Courier New" panose="02070309020205020404" pitchFamily="49" charset="0"/>
-                <a:cs typeface="Courier New" panose="02070309020205020404" pitchFamily="49" charset="0"/>
-              </a:rPr>
-              <a:t>multiInst</a:t>
-            </a:r>
-            <a:r>
-              <a:rPr kumimoji="0" lang="en-US" altLang="en-US" sz="1600" b="0" i="0" u="none" strike="noStrike" cap="none" normalizeH="0" baseline="0" dirty="0" smtClean="0">
-                <a:ln>
-                  <a:noFill/>
-                </a:ln>
-                <a:solidFill>
-                  <a:schemeClr val="tx1"/>
-                </a:solidFill>
-                <a:effectLst/>
-                <a:latin typeface="Courier New" panose="02070309020205020404" pitchFamily="49" charset="0"/>
-                <a:cs typeface="Courier New" panose="02070309020205020404" pitchFamily="49" charset="0"/>
-              </a:rPr>
-              <a:t> -</a:t>
-            </a:r>
-            <a:r>
-              <a:rPr kumimoji="0" lang="en-US" altLang="en-US" sz="1600" b="0" i="0" u="none" strike="noStrike" cap="none" normalizeH="0" baseline="0" dirty="0" err="1" smtClean="0">
-                <a:ln>
-                  <a:noFill/>
-                </a:ln>
-                <a:solidFill>
-                  <a:schemeClr val="tx1"/>
-                </a:solidFill>
-                <a:effectLst/>
-                <a:latin typeface="Courier New" panose="02070309020205020404" pitchFamily="49" charset="0"/>
-                <a:cs typeface="Courier New" panose="02070309020205020404" pitchFamily="49" charset="0"/>
-              </a:rPr>
-              <a:t>notabbar</a:t>
-            </a:r>
-            <a:r>
-              <a:rPr kumimoji="0" lang="en-US" altLang="en-US" sz="1600" b="0" i="0" u="none" strike="noStrike" cap="none" normalizeH="0" baseline="0" dirty="0" smtClean="0">
-                <a:ln>
-                  <a:noFill/>
-                </a:ln>
-                <a:solidFill>
-                  <a:schemeClr val="tx1"/>
-                </a:solidFill>
-                <a:effectLst/>
-                <a:latin typeface="Courier New" panose="02070309020205020404" pitchFamily="49" charset="0"/>
-                <a:cs typeface="Courier New" panose="02070309020205020404" pitchFamily="49" charset="0"/>
-              </a:rPr>
-              <a:t> -</a:t>
-            </a:r>
-            <a:r>
-              <a:rPr kumimoji="0" lang="en-US" altLang="en-US" sz="1600" b="0" i="0" u="none" strike="noStrike" cap="none" normalizeH="0" baseline="0" dirty="0" err="1" smtClean="0">
-                <a:ln>
-                  <a:noFill/>
-                </a:ln>
-                <a:solidFill>
-                  <a:schemeClr val="tx1"/>
-                </a:solidFill>
-                <a:effectLst/>
-                <a:latin typeface="Courier New" panose="02070309020205020404" pitchFamily="49" charset="0"/>
-                <a:cs typeface="Courier New" panose="02070309020205020404" pitchFamily="49" charset="0"/>
-              </a:rPr>
-              <a:t>nosession</a:t>
-            </a:r>
-            <a:r>
-              <a:rPr kumimoji="0" lang="en-US" altLang="en-US" sz="1600" b="0" i="0" u="none" strike="noStrike" cap="none" normalizeH="0" baseline="0" dirty="0" smtClean="0">
-                <a:ln>
-                  <a:noFill/>
-                </a:ln>
-                <a:solidFill>
-                  <a:schemeClr val="tx1"/>
-                </a:solidFill>
-                <a:effectLst/>
-                <a:latin typeface="Courier New" panose="02070309020205020404" pitchFamily="49" charset="0"/>
-                <a:cs typeface="Courier New" panose="02070309020205020404" pitchFamily="49" charset="0"/>
-              </a:rPr>
-              <a:t> -</a:t>
-            </a:r>
-            <a:r>
-              <a:rPr kumimoji="0" lang="en-US" altLang="en-US" sz="1600" b="0" i="0" u="none" strike="noStrike" cap="none" normalizeH="0" baseline="0" dirty="0" err="1" smtClean="0">
-                <a:ln>
-                  <a:noFill/>
-                </a:ln>
-                <a:solidFill>
-                  <a:schemeClr val="tx1"/>
-                </a:solidFill>
-                <a:effectLst/>
-                <a:latin typeface="Courier New" panose="02070309020205020404" pitchFamily="49" charset="0"/>
-                <a:cs typeface="Courier New" panose="02070309020205020404" pitchFamily="49" charset="0"/>
-              </a:rPr>
-              <a:t>noPlugin</a:t>
-            </a:r>
-            <a:r>
-              <a:rPr kumimoji="0" lang="en-US" altLang="en-US" sz="1600" b="0" i="0" u="none" strike="noStrike" cap="none" normalizeH="0" baseline="0" dirty="0" smtClean="0">
-                <a:ln>
-                  <a:noFill/>
-                </a:ln>
-                <a:solidFill>
-                  <a:schemeClr val="tx1"/>
-                </a:solidFill>
-                <a:effectLst/>
-                <a:latin typeface="Courier New" panose="02070309020205020404" pitchFamily="49" charset="0"/>
-                <a:cs typeface="Courier New" panose="02070309020205020404" pitchFamily="49" charset="0"/>
-              </a:rPr>
-              <a:t>" </a:t>
-            </a:r>
-          </a:p>
-          <a:p>
-            <a:endParaRPr lang="en-GB" dirty="0"/>
-          </a:p>
-        </p:txBody>
-      </p:sp>
-      <p:sp>
-        <p:nvSpPr>
-          <p:cNvPr id="3" name="Textfeld 2"/>
-          <p:cNvSpPr txBox="1"/>
-          <p:nvPr/>
-        </p:nvSpPr>
-        <p:spPr>
-          <a:xfrm>
-            <a:off x="502275" y="296212"/>
-            <a:ext cx="2707857" cy="646331"/>
-          </a:xfrm>
-          <a:prstGeom prst="rect">
-            <a:avLst/>
-          </a:prstGeom>
-          <a:noFill/>
-        </p:spPr>
-        <p:txBody>
-          <a:bodyPr wrap="none" rtlCol="0">
-            <a:spAutoFit/>
-          </a:bodyPr>
-          <a:lstStyle/>
-          <a:p>
-            <a:r>
-              <a:rPr lang="de-DE" sz="3600" b="1" dirty="0" err="1" smtClean="0"/>
-              <a:t>Github</a:t>
-            </a:r>
-            <a:r>
-              <a:rPr lang="de-DE" sz="3600" b="1" dirty="0" smtClean="0"/>
-              <a:t> Setup</a:t>
-            </a:r>
-            <a:endParaRPr lang="en-GB" sz="3600" b="1" dirty="0"/>
+            <a:endParaRPr lang="de-DE" dirty="0" smtClean="0"/>
           </a:p>
         </p:txBody>
       </p:sp>
     </p:spTree>
     <p:extLst>
       <p:ext uri="{BB962C8B-B14F-4D97-AF65-F5344CB8AC3E}">
-        <p14:creationId xmlns:p14="http://schemas.microsoft.com/office/powerpoint/2010/main" val="2693175679"/>
+        <p14:creationId xmlns:p14="http://schemas.microsoft.com/office/powerpoint/2010/main" xmlns="" val="1226221443"/>
       </p:ext>
     </p:extLst>
   </p:cSld>
@@ -5998,12 +5616,16 @@
           <a:lstStyle/>
           <a:p>
             <a:r>
-              <a:rPr lang="de-DE" dirty="0" smtClean="0"/>
-              <a:t>Basic </a:t>
-            </a:r>
-            <a:r>
-              <a:rPr lang="de-DE" dirty="0" err="1" smtClean="0"/>
-              <a:t>stuff</a:t>
+              <a:rPr lang="de-DE" dirty="0" err="1" smtClean="0"/>
+              <a:t>What</a:t>
+            </a:r>
+            <a:r>
+              <a:rPr lang="de-DE" dirty="0" smtClean="0"/>
+              <a:t> will </a:t>
+            </a:r>
+            <a:r>
+              <a:rPr lang="de-DE" dirty="0" err="1" smtClean="0"/>
+              <a:t>we</a:t>
             </a:r>
             <a:r>
               <a:rPr lang="de-DE" dirty="0" smtClean="0"/>
@@ -6011,19 +5633,27 @@
             </a:r>
             <a:r>
               <a:rPr lang="de-DE" dirty="0" err="1" smtClean="0"/>
-              <a:t>you</a:t>
-            </a:r>
-            <a:r>
-              <a:rPr lang="de-DE" dirty="0" smtClean="0"/>
-              <a:t> do on </a:t>
-            </a:r>
-            <a:r>
-              <a:rPr lang="de-DE" dirty="0" err="1" smtClean="0"/>
-              <a:t>GitHub</a:t>
-            </a:r>
-            <a:r>
-              <a:rPr lang="de-DE" dirty="0" smtClean="0"/>
-              <a:t>..</a:t>
+              <a:t>use</a:t>
+            </a:r>
+            <a:r>
+              <a:rPr lang="de-DE" dirty="0" smtClean="0"/>
+              <a:t> </a:t>
+            </a:r>
+            <a:r>
+              <a:rPr lang="de-DE" dirty="0" err="1" smtClean="0"/>
+              <a:t>Github</a:t>
+            </a:r>
+            <a:r>
+              <a:rPr lang="de-DE" dirty="0" smtClean="0"/>
+              <a:t> </a:t>
+            </a:r>
+            <a:r>
+              <a:rPr lang="de-DE" dirty="0" err="1" smtClean="0"/>
+              <a:t>for</a:t>
+            </a:r>
+            <a:r>
+              <a:rPr lang="de-DE" dirty="0" smtClean="0"/>
+              <a:t>?</a:t>
             </a:r>
             <a:endParaRPr lang="en-GB" dirty="0"/>
           </a:p>
@@ -6041,270 +5671,281 @@
         </p:nvSpPr>
         <p:spPr/>
         <p:txBody>
-          <a:bodyPr/>
+          <a:bodyPr>
+            <a:normAutofit/>
+          </a:bodyPr>
           <a:lstStyle/>
           <a:p>
             <a:r>
               <a:rPr lang="de-DE" dirty="0" smtClean="0"/>
-              <a:t>Create/</a:t>
-            </a:r>
-            <a:r>
-              <a:rPr lang="de-DE" dirty="0" err="1" smtClean="0"/>
-              <a:t>delete</a:t>
-            </a:r>
-            <a:r>
-              <a:rPr lang="de-DE" dirty="0" smtClean="0"/>
-              <a:t>/</a:t>
-            </a:r>
-            <a:r>
-              <a:rPr lang="de-DE" dirty="0" err="1" smtClean="0"/>
-              <a:t>fork</a:t>
-            </a:r>
-            <a:r>
-              <a:rPr lang="de-DE" dirty="0" smtClean="0"/>
-              <a:t>/push/pull a </a:t>
-            </a:r>
-            <a:r>
-              <a:rPr lang="de-DE" dirty="0" err="1" smtClean="0"/>
-              <a:t>repository</a:t>
-            </a:r>
+              <a:t>Organisational </a:t>
+            </a:r>
+            <a:r>
+              <a:rPr lang="de-DE" dirty="0" err="1" smtClean="0"/>
+              <a:t>Platform</a:t>
+            </a:r>
+            <a:r>
+              <a:rPr lang="de-DE" dirty="0" smtClean="0"/>
+              <a:t>: </a:t>
+            </a:r>
+            <a:r>
+              <a:rPr lang="de-DE" dirty="0" err="1" smtClean="0"/>
+              <a:t>insert</a:t>
+            </a:r>
+            <a:r>
+              <a:rPr lang="de-DE" dirty="0" smtClean="0"/>
+              <a:t> </a:t>
+            </a:r>
+            <a:r>
+              <a:rPr lang="de-DE" dirty="0" err="1" smtClean="0"/>
+              <a:t>date</a:t>
+            </a:r>
+            <a:r>
+              <a:rPr lang="de-DE" dirty="0" smtClean="0"/>
+              <a:t>, title </a:t>
+            </a:r>
+            <a:r>
+              <a:rPr lang="de-DE" dirty="0" err="1" smtClean="0"/>
+              <a:t>and</a:t>
+            </a:r>
+            <a:r>
+              <a:rPr lang="de-DE" dirty="0" smtClean="0"/>
+              <a:t> </a:t>
+            </a:r>
+            <a:r>
+              <a:rPr lang="de-DE" dirty="0" err="1" smtClean="0"/>
+              <a:t>content</a:t>
+            </a:r>
+            <a:r>
+              <a:rPr lang="de-DE" dirty="0" smtClean="0"/>
+              <a:t> </a:t>
+            </a:r>
+            <a:r>
+              <a:rPr lang="de-DE" dirty="0" err="1" smtClean="0"/>
+              <a:t>of</a:t>
+            </a:r>
+            <a:r>
+              <a:rPr lang="de-DE" dirty="0" smtClean="0"/>
+              <a:t> a </a:t>
+            </a:r>
+            <a:r>
+              <a:rPr lang="de-DE" dirty="0" err="1" smtClean="0"/>
+              <a:t>session</a:t>
+            </a:r>
+            <a:r>
+              <a:rPr lang="de-DE" dirty="0" smtClean="0"/>
+              <a:t> </a:t>
+            </a:r>
+            <a:r>
+              <a:rPr lang="de-DE" dirty="0" err="1" smtClean="0"/>
+              <a:t>your</a:t>
+            </a:r>
+            <a:r>
+              <a:rPr lang="de-DE" dirty="0" smtClean="0"/>
+              <a:t> </a:t>
+            </a:r>
+            <a:r>
+              <a:rPr lang="de-DE" dirty="0" err="1" smtClean="0"/>
+              <a:t>intending</a:t>
+            </a:r>
+            <a:r>
+              <a:rPr lang="de-DE" dirty="0" smtClean="0"/>
+              <a:t> </a:t>
+            </a:r>
+            <a:r>
+              <a:rPr lang="de-DE" dirty="0" err="1" smtClean="0"/>
+              <a:t>to</a:t>
+            </a:r>
+            <a:r>
+              <a:rPr lang="de-DE" dirty="0" smtClean="0"/>
+              <a:t> </a:t>
+            </a:r>
+            <a:r>
+              <a:rPr lang="de-DE" dirty="0" err="1" smtClean="0"/>
+              <a:t>prepare</a:t>
+            </a:r>
+            <a:r>
+              <a:rPr lang="de-DE" dirty="0" smtClean="0"/>
+              <a:t> </a:t>
+            </a:r>
+          </a:p>
+          <a:p>
+            <a:r>
+              <a:rPr lang="de-DE" dirty="0" err="1" smtClean="0"/>
+              <a:t>Provide</a:t>
+            </a:r>
+            <a:r>
+              <a:rPr lang="de-DE" dirty="0" smtClean="0"/>
+              <a:t> </a:t>
+            </a:r>
+            <a:r>
+              <a:rPr lang="de-DE" dirty="0" err="1" smtClean="0"/>
+              <a:t>session</a:t>
+            </a:r>
+            <a:r>
+              <a:rPr lang="de-DE" dirty="0" smtClean="0"/>
+              <a:t> relevant </a:t>
+            </a:r>
+            <a:r>
+              <a:rPr lang="de-DE" dirty="0" err="1" smtClean="0"/>
+              <a:t>information</a:t>
+            </a:r>
+            <a:r>
+              <a:rPr lang="de-DE" dirty="0" smtClean="0"/>
+              <a:t> (</a:t>
+            </a:r>
+            <a:r>
+              <a:rPr lang="de-DE" dirty="0" err="1" smtClean="0"/>
+              <a:t>necessary</a:t>
+            </a:r>
+            <a:r>
+              <a:rPr lang="de-DE" dirty="0" smtClean="0"/>
+              <a:t> </a:t>
+            </a:r>
+            <a:r>
+              <a:rPr lang="de-DE" dirty="0" err="1" smtClean="0"/>
+              <a:t>packages</a:t>
+            </a:r>
+            <a:r>
+              <a:rPr lang="de-DE" dirty="0" smtClean="0"/>
+              <a:t>, links, ..) in </a:t>
+            </a:r>
+            <a:r>
+              <a:rPr lang="de-DE" dirty="0" err="1" smtClean="0"/>
+              <a:t>advance</a:t>
+            </a:r>
+            <a:r>
+              <a:rPr lang="de-DE" dirty="0" smtClean="0"/>
+              <a:t> (</a:t>
+            </a:r>
+            <a:r>
+              <a:rPr lang="de-DE" dirty="0" err="1" smtClean="0"/>
+              <a:t>by</a:t>
+            </a:r>
+            <a:r>
+              <a:rPr lang="de-DE" dirty="0" smtClean="0"/>
+              <a:t> </a:t>
+            </a:r>
+            <a:r>
+              <a:rPr lang="de-DE" dirty="0" err="1" smtClean="0"/>
+              <a:t>Monday</a:t>
+            </a:r>
+            <a:r>
+              <a:rPr lang="de-DE" dirty="0" smtClean="0"/>
+              <a:t> </a:t>
+            </a:r>
+            <a:r>
+              <a:rPr lang="de-DE" dirty="0" err="1" smtClean="0"/>
+              <a:t>night</a:t>
+            </a:r>
+            <a:r>
+              <a:rPr lang="de-DE" dirty="0" smtClean="0"/>
+              <a:t>..)</a:t>
+            </a:r>
+          </a:p>
+          <a:p>
+            <a:r>
+              <a:rPr lang="de-DE" dirty="0" err="1" smtClean="0"/>
+              <a:t>Provide</a:t>
+            </a:r>
+            <a:r>
+              <a:rPr lang="de-DE" dirty="0" smtClean="0"/>
+              <a:t> </a:t>
+            </a:r>
+            <a:r>
+              <a:rPr lang="de-DE" dirty="0" err="1" smtClean="0"/>
+              <a:t>session</a:t>
+            </a:r>
+            <a:r>
+              <a:rPr lang="de-DE" dirty="0" smtClean="0"/>
+              <a:t> material (</a:t>
+            </a:r>
+            <a:r>
+              <a:rPr lang="de-DE" dirty="0" err="1" smtClean="0"/>
+              <a:t>code</a:t>
+            </a:r>
+            <a:r>
+              <a:rPr lang="de-DE" dirty="0" smtClean="0"/>
+              <a:t>, </a:t>
+            </a:r>
+            <a:r>
+              <a:rPr lang="de-DE" dirty="0" err="1" smtClean="0"/>
+              <a:t>presentation</a:t>
+            </a:r>
+            <a:r>
+              <a:rPr lang="de-DE" dirty="0" smtClean="0"/>
+              <a:t>,..) </a:t>
+            </a:r>
+          </a:p>
+          <a:p>
             <a:endParaRPr lang="de-DE" dirty="0" smtClean="0"/>
           </a:p>
           <a:p>
-            <a:r>
-              <a:rPr lang="de-DE" dirty="0" err="1" smtClean="0"/>
-              <a:t>Clone</a:t>
-            </a:r>
-            <a:r>
-              <a:rPr lang="de-DE" dirty="0" smtClean="0"/>
-              <a:t> a </a:t>
-            </a:r>
-            <a:r>
-              <a:rPr lang="de-DE" dirty="0" err="1" smtClean="0"/>
-              <a:t>repository</a:t>
-            </a:r>
-            <a:r>
-              <a:rPr lang="de-DE" dirty="0" smtClean="0"/>
+            <a:pPr marL="0" indent="0">
+              <a:buNone/>
+            </a:pPr>
+            <a:r>
+              <a:rPr lang="de-DE" b="1" dirty="0" smtClean="0"/>
+              <a:t>R </a:t>
+            </a:r>
+            <a:r>
+              <a:rPr lang="de-DE" b="1" dirty="0" err="1" smtClean="0"/>
+              <a:t>Roundtable</a:t>
+            </a:r>
+            <a:r>
+              <a:rPr lang="de-DE" b="1" dirty="0" smtClean="0"/>
               <a:t> </a:t>
             </a:r>
             <a:r>
-              <a:rPr lang="de-DE" dirty="0" err="1" smtClean="0"/>
-              <a:t>to</a:t>
-            </a:r>
-            <a:r>
-              <a:rPr lang="de-DE" dirty="0" smtClean="0"/>
+              <a:rPr lang="de-DE" b="1" dirty="0" err="1" smtClean="0"/>
+              <a:t>Github</a:t>
+            </a:r>
+            <a:r>
+              <a:rPr lang="de-DE" b="1" dirty="0" smtClean="0"/>
               <a:t> </a:t>
             </a:r>
             <a:r>
-              <a:rPr lang="de-DE" dirty="0" err="1"/>
-              <a:t>y</a:t>
-            </a:r>
-            <a:r>
-              <a:rPr lang="de-DE" dirty="0" err="1" smtClean="0"/>
-              <a:t>our</a:t>
+              <a:rPr lang="de-DE" b="1" dirty="0" err="1" smtClean="0"/>
+              <a:t>page</a:t>
+            </a:r>
+            <a:endParaRPr lang="de-DE" b="1" dirty="0" smtClean="0"/>
+          </a:p>
+          <a:p>
+            <a:pPr marL="0" indent="0">
+              <a:buNone/>
+            </a:pPr>
+            <a:r>
+              <a:rPr lang="de-DE" dirty="0" smtClean="0">
+                <a:hlinkClick r:id="rId2"/>
+              </a:rPr>
+              <a:t>https</a:t>
+            </a:r>
+            <a:r>
+              <a:rPr lang="de-DE" dirty="0">
+                <a:hlinkClick r:id="rId2"/>
+              </a:rPr>
+              <a:t>://</a:t>
+            </a:r>
+            <a:r>
+              <a:rPr lang="de-DE" dirty="0" smtClean="0">
+                <a:hlinkClick r:id="rId2"/>
+              </a:rPr>
+              <a:t>github.com/dbahlburg/R_Roundtable</a:t>
             </a:r>
             <a:r>
               <a:rPr lang="de-DE" dirty="0" smtClean="0"/>
               <a:t> </a:t>
             </a:r>
-            <a:r>
-              <a:rPr lang="de-DE" dirty="0" err="1" smtClean="0"/>
-              <a:t>local</a:t>
-            </a:r>
-            <a:r>
-              <a:rPr lang="de-DE" dirty="0" smtClean="0"/>
-              <a:t> </a:t>
-            </a:r>
-            <a:r>
-              <a:rPr lang="de-DE" dirty="0" err="1" smtClean="0"/>
-              <a:t>machine</a:t>
-            </a:r>
-            <a:endParaRPr lang="de-DE" dirty="0" smtClean="0"/>
-          </a:p>
-          <a:p>
-            <a:r>
-              <a:rPr lang="de-DE" dirty="0" smtClean="0"/>
-              <a:t>Commit </a:t>
-            </a:r>
-            <a:r>
-              <a:rPr lang="de-DE" dirty="0" err="1" smtClean="0"/>
-              <a:t>changes</a:t>
-            </a:r>
-            <a:r>
-              <a:rPr lang="de-DE" dirty="0" smtClean="0"/>
-              <a:t> </a:t>
-            </a:r>
-            <a:r>
-              <a:rPr lang="de-DE" dirty="0" err="1" smtClean="0"/>
-              <a:t>and</a:t>
-            </a:r>
-            <a:r>
-              <a:rPr lang="de-DE" dirty="0" smtClean="0"/>
-              <a:t> </a:t>
-            </a:r>
-            <a:r>
-              <a:rPr lang="de-DE" dirty="0" err="1" smtClean="0"/>
-              <a:t>synchronise</a:t>
-            </a:r>
-            <a:r>
-              <a:rPr lang="de-DE" dirty="0" smtClean="0"/>
-              <a:t> </a:t>
-            </a:r>
-            <a:r>
-              <a:rPr lang="de-DE" dirty="0" err="1" smtClean="0"/>
-              <a:t>with</a:t>
-            </a:r>
-            <a:r>
-              <a:rPr lang="de-DE" dirty="0" smtClean="0"/>
-              <a:t> </a:t>
-            </a:r>
-            <a:r>
-              <a:rPr lang="de-DE" dirty="0" err="1" smtClean="0"/>
-              <a:t>the</a:t>
-            </a:r>
-            <a:r>
-              <a:rPr lang="de-DE" dirty="0" smtClean="0"/>
-              <a:t> </a:t>
-            </a:r>
-            <a:r>
-              <a:rPr lang="de-DE" dirty="0" err="1" smtClean="0"/>
-              <a:t>GitHub</a:t>
-            </a:r>
-            <a:r>
-              <a:rPr lang="de-DE" dirty="0" smtClean="0"/>
-              <a:t> </a:t>
-            </a:r>
-            <a:r>
-              <a:rPr lang="de-DE" dirty="0" err="1" smtClean="0"/>
-              <a:t>server</a:t>
-            </a:r>
-            <a:r>
-              <a:rPr lang="de-DE" dirty="0" smtClean="0"/>
-              <a:t> via </a:t>
-            </a:r>
-            <a:r>
-              <a:rPr lang="de-DE" dirty="0" err="1" smtClean="0"/>
-              <a:t>the</a:t>
-            </a:r>
-            <a:r>
-              <a:rPr lang="de-DE" dirty="0" smtClean="0"/>
-              <a:t> </a:t>
-            </a:r>
-            <a:r>
-              <a:rPr lang="de-DE" dirty="0" err="1" smtClean="0"/>
-              <a:t>Github</a:t>
-            </a:r>
-            <a:r>
-              <a:rPr lang="de-DE" dirty="0" smtClean="0"/>
-              <a:t> Desktop App</a:t>
-            </a:r>
-          </a:p>
-          <a:p>
-            <a:r>
-              <a:rPr lang="de-DE" dirty="0" smtClean="0"/>
-              <a:t>Work on a </a:t>
-            </a:r>
-            <a:r>
-              <a:rPr lang="de-DE" dirty="0" err="1" smtClean="0"/>
-              <a:t>project</a:t>
-            </a:r>
-            <a:r>
-              <a:rPr lang="de-DE" dirty="0" smtClean="0"/>
-              <a:t> </a:t>
-            </a:r>
-            <a:r>
-              <a:rPr lang="de-DE" dirty="0" err="1" smtClean="0"/>
-              <a:t>directly</a:t>
-            </a:r>
-            <a:r>
-              <a:rPr lang="de-DE" dirty="0" smtClean="0"/>
-              <a:t> via </a:t>
-            </a:r>
-            <a:r>
-              <a:rPr lang="de-DE" dirty="0" err="1" smtClean="0"/>
-              <a:t>Rstudio</a:t>
-            </a:r>
-            <a:r>
-              <a:rPr lang="de-DE" dirty="0" smtClean="0"/>
-              <a:t> </a:t>
-            </a:r>
-          </a:p>
-          <a:p>
-            <a:pPr marL="0" indent="0">
-              <a:buNone/>
-            </a:pPr>
-            <a:r>
-              <a:rPr lang="de-DE" dirty="0" smtClean="0"/>
-              <a:t>   (File -&gt; New Project… -&gt; Version Control -&gt; </a:t>
-            </a:r>
-            <a:r>
-              <a:rPr lang="de-DE" dirty="0" err="1" smtClean="0"/>
-              <a:t>Git</a:t>
-            </a:r>
-            <a:r>
-              <a:rPr lang="de-DE" dirty="0" smtClean="0"/>
-              <a:t> -&gt; </a:t>
-            </a:r>
-            <a:r>
-              <a:rPr lang="de-DE" dirty="0" err="1" smtClean="0"/>
-              <a:t>insert</a:t>
-            </a:r>
-            <a:r>
-              <a:rPr lang="de-DE" dirty="0" smtClean="0"/>
-              <a:t> URL </a:t>
-            </a:r>
-            <a:r>
-              <a:rPr lang="de-DE" dirty="0" err="1" smtClean="0"/>
-              <a:t>of</a:t>
-            </a:r>
-            <a:r>
-              <a:rPr lang="de-DE" dirty="0" smtClean="0"/>
-              <a:t>  </a:t>
-            </a:r>
-          </a:p>
-          <a:p>
-            <a:pPr marL="0" indent="0">
-              <a:buNone/>
-            </a:pPr>
-            <a:r>
-              <a:rPr lang="de-DE" dirty="0"/>
-              <a:t> </a:t>
-            </a:r>
-            <a:r>
-              <a:rPr lang="de-DE" dirty="0" smtClean="0"/>
-              <a:t>  </a:t>
-            </a:r>
-            <a:r>
-              <a:rPr lang="de-DE" dirty="0" err="1" smtClean="0"/>
-              <a:t>existing</a:t>
-            </a:r>
-            <a:r>
-              <a:rPr lang="de-DE" dirty="0" smtClean="0"/>
-              <a:t> </a:t>
-            </a:r>
-            <a:r>
-              <a:rPr lang="de-DE" dirty="0" err="1" smtClean="0"/>
-              <a:t>project</a:t>
-            </a:r>
-            <a:r>
-              <a:rPr lang="de-DE" dirty="0" smtClean="0"/>
-              <a:t> on </a:t>
-            </a:r>
-            <a:r>
-              <a:rPr lang="de-DE" dirty="0" err="1" smtClean="0"/>
-              <a:t>Github</a:t>
-            </a:r>
-            <a:r>
-              <a:rPr lang="de-DE" dirty="0" smtClean="0"/>
-              <a:t>)</a:t>
-            </a:r>
+          </a:p>
+          <a:p>
+            <a:endParaRPr lang="en-GB" dirty="0"/>
           </a:p>
         </p:txBody>
       </p:sp>
     </p:spTree>
     <p:extLst>
       <p:ext uri="{BB962C8B-B14F-4D97-AF65-F5344CB8AC3E}">
-        <p14:creationId xmlns:p14="http://schemas.microsoft.com/office/powerpoint/2010/main" val="1226221443"/>
+        <p14:creationId xmlns:p14="http://schemas.microsoft.com/office/powerpoint/2010/main" xmlns="" val="3801511252"/>
       </p:ext>
     </p:extLst>
   </p:cSld>
@@ -6348,15 +5989,7 @@
           <a:p>
             <a:r>
               <a:rPr lang="de-DE" dirty="0" err="1" smtClean="0"/>
-              <a:t>What</a:t>
-            </a:r>
-            <a:r>
-              <a:rPr lang="de-DE" dirty="0" smtClean="0"/>
-              <a:t> will </a:t>
-            </a:r>
-            <a:r>
-              <a:rPr lang="de-DE" dirty="0" err="1" smtClean="0"/>
-              <a:t>we</a:t>
+              <a:t>Github</a:t>
             </a:r>
             <a:r>
               <a:rPr lang="de-DE" dirty="0" smtClean="0"/>
@@ -6364,7 +5997,7 @@
             </a:r>
             <a:r>
               <a:rPr lang="de-DE" dirty="0" err="1" smtClean="0"/>
-              <a:t>use</a:t>
+              <a:t>help</a:t>
             </a:r>
             <a:r>
               <a:rPr lang="de-DE" dirty="0" smtClean="0"/>
@@ -6372,303 +6005,77 @@
             </a:r>
             <a:r>
               <a:rPr lang="de-DE" dirty="0" err="1" smtClean="0"/>
-              <a:t>Github</a:t>
-            </a:r>
-            <a:r>
-              <a:rPr lang="de-DE" dirty="0" smtClean="0"/>
+              <a:t>pages</a:t>
+            </a:r>
+            <a:r>
+              <a:rPr lang="de-DE" dirty="0" smtClean="0"/>
+              <a:t> ..</a:t>
+            </a:r>
+            <a:endParaRPr lang="en-GB" dirty="0"/>
+          </a:p>
+        </p:txBody>
+      </p:sp>
+      <p:sp>
+        <p:nvSpPr>
+          <p:cNvPr id="3" name="Inhaltsplatzhalter 2"/>
+          <p:cNvSpPr>
+            <a:spLocks noGrp="1"/>
+          </p:cNvSpPr>
+          <p:nvPr>
+            <p:ph idx="1"/>
+          </p:nvPr>
+        </p:nvSpPr>
+        <p:spPr/>
+        <p:txBody>
+          <a:bodyPr/>
+          <a:lstStyle/>
+          <a:p>
+            <a:r>
+              <a:rPr lang="en-GB" dirty="0">
+                <a:hlinkClick r:id="rId2"/>
+              </a:rPr>
+              <a:t>https://guides.github.com/activities/hello-world</a:t>
+            </a:r>
+            <a:r>
+              <a:rPr lang="en-GB" dirty="0" smtClean="0">
+                <a:hlinkClick r:id="rId2"/>
+              </a:rPr>
+              <a:t>/</a:t>
+            </a:r>
+            <a:endParaRPr lang="en-GB" dirty="0" smtClean="0"/>
+          </a:p>
+          <a:p>
+            <a:r>
+              <a:rPr lang="en-GB" dirty="0">
+                <a:hlinkClick r:id="rId3"/>
+              </a:rPr>
+              <a:t>https://guides.github.com/introduction/flow</a:t>
+            </a:r>
+            <a:r>
+              <a:rPr lang="en-GB" dirty="0" smtClean="0">
+                <a:hlinkClick r:id="rId3"/>
+              </a:rPr>
+              <a:t>/</a:t>
+            </a:r>
+            <a:endParaRPr lang="en-GB" dirty="0" smtClean="0"/>
+          </a:p>
+          <a:p>
+            <a:r>
+              <a:rPr lang="en-GB" dirty="0">
+                <a:hlinkClick r:id="rId4"/>
+              </a:rPr>
+              <a:t>https://guides.github.com/features/wikis</a:t>
+            </a:r>
+            <a:r>
+              <a:rPr lang="en-GB" dirty="0" smtClean="0">
+                <a:hlinkClick r:id="rId4"/>
+              </a:rPr>
+              <a:t>/</a:t>
+            </a:r>
+            <a:r>
+              <a:rPr lang="en-GB" dirty="0" smtClean="0"/>
               <a:t> </a:t>
             </a:r>
-            <a:r>
-              <a:rPr lang="de-DE" dirty="0" err="1" smtClean="0"/>
-              <a:t>for</a:t>
-            </a:r>
-            <a:r>
-              <a:rPr lang="de-DE" dirty="0" smtClean="0"/>
-              <a:t>?</a:t>
-            </a:r>
-            <a:endParaRPr lang="en-GB" dirty="0"/>
-          </a:p>
-        </p:txBody>
-      </p:sp>
-      <p:sp>
-        <p:nvSpPr>
-          <p:cNvPr id="3" name="Inhaltsplatzhalter 2"/>
-          <p:cNvSpPr>
-            <a:spLocks noGrp="1"/>
-          </p:cNvSpPr>
-          <p:nvPr>
-            <p:ph idx="1"/>
-          </p:nvPr>
-        </p:nvSpPr>
-        <p:spPr/>
-        <p:txBody>
-          <a:bodyPr>
-            <a:normAutofit/>
-          </a:bodyPr>
-          <a:lstStyle/>
-          <a:p>
-            <a:r>
-              <a:rPr lang="de-DE" dirty="0" smtClean="0"/>
-              <a:t>Organisational </a:t>
-            </a:r>
-            <a:r>
-              <a:rPr lang="de-DE" dirty="0" err="1" smtClean="0"/>
-              <a:t>Platform</a:t>
-            </a:r>
-            <a:r>
-              <a:rPr lang="de-DE" dirty="0" smtClean="0"/>
-              <a:t>: </a:t>
-            </a:r>
-            <a:r>
-              <a:rPr lang="de-DE" dirty="0" err="1" smtClean="0"/>
-              <a:t>insert</a:t>
-            </a:r>
-            <a:r>
-              <a:rPr lang="de-DE" dirty="0" smtClean="0"/>
-              <a:t> </a:t>
-            </a:r>
-            <a:r>
-              <a:rPr lang="de-DE" dirty="0" err="1" smtClean="0"/>
-              <a:t>date</a:t>
-            </a:r>
-            <a:r>
-              <a:rPr lang="de-DE" dirty="0" smtClean="0"/>
-              <a:t>, title </a:t>
-            </a:r>
-            <a:r>
-              <a:rPr lang="de-DE" dirty="0" err="1" smtClean="0"/>
-              <a:t>and</a:t>
-            </a:r>
-            <a:r>
-              <a:rPr lang="de-DE" dirty="0" smtClean="0"/>
-              <a:t> </a:t>
-            </a:r>
-            <a:r>
-              <a:rPr lang="de-DE" dirty="0" err="1" smtClean="0"/>
-              <a:t>content</a:t>
-            </a:r>
-            <a:r>
-              <a:rPr lang="de-DE" dirty="0" smtClean="0"/>
-              <a:t> </a:t>
-            </a:r>
-            <a:r>
-              <a:rPr lang="de-DE" dirty="0" err="1" smtClean="0"/>
-              <a:t>of</a:t>
-            </a:r>
-            <a:r>
-              <a:rPr lang="de-DE" dirty="0" smtClean="0"/>
-              <a:t> a </a:t>
-            </a:r>
-            <a:r>
-              <a:rPr lang="de-DE" dirty="0" err="1" smtClean="0"/>
-              <a:t>session</a:t>
-            </a:r>
-            <a:r>
-              <a:rPr lang="de-DE" dirty="0" smtClean="0"/>
-              <a:t> </a:t>
-            </a:r>
-            <a:r>
-              <a:rPr lang="de-DE" dirty="0" err="1" smtClean="0"/>
-              <a:t>your</a:t>
-            </a:r>
-            <a:r>
-              <a:rPr lang="de-DE" dirty="0" smtClean="0"/>
-              <a:t> </a:t>
-            </a:r>
-            <a:r>
-              <a:rPr lang="de-DE" dirty="0" err="1" smtClean="0"/>
-              <a:t>intending</a:t>
-            </a:r>
-            <a:r>
-              <a:rPr lang="de-DE" dirty="0" smtClean="0"/>
-              <a:t> </a:t>
-            </a:r>
-            <a:r>
-              <a:rPr lang="de-DE" dirty="0" err="1" smtClean="0"/>
-              <a:t>to</a:t>
-            </a:r>
-            <a:r>
-              <a:rPr lang="de-DE" dirty="0" smtClean="0"/>
-              <a:t> </a:t>
-            </a:r>
-            <a:r>
-              <a:rPr lang="de-DE" dirty="0" err="1" smtClean="0"/>
-              <a:t>prepare</a:t>
-            </a:r>
-            <a:r>
-              <a:rPr lang="de-DE" dirty="0" smtClean="0"/>
-              <a:t> </a:t>
-            </a:r>
-          </a:p>
-          <a:p>
-            <a:r>
-              <a:rPr lang="de-DE" dirty="0" err="1" smtClean="0"/>
-              <a:t>Provide</a:t>
-            </a:r>
-            <a:r>
-              <a:rPr lang="de-DE" dirty="0" smtClean="0"/>
-              <a:t> </a:t>
-            </a:r>
-            <a:r>
-              <a:rPr lang="de-DE" dirty="0" err="1" smtClean="0"/>
-              <a:t>session</a:t>
-            </a:r>
-            <a:r>
-              <a:rPr lang="de-DE" dirty="0" smtClean="0"/>
-              <a:t> relevant </a:t>
-            </a:r>
-            <a:r>
-              <a:rPr lang="de-DE" dirty="0" err="1" smtClean="0"/>
-              <a:t>information</a:t>
-            </a:r>
-            <a:r>
-              <a:rPr lang="de-DE" dirty="0" smtClean="0"/>
-              <a:t> (</a:t>
-            </a:r>
-            <a:r>
-              <a:rPr lang="de-DE" dirty="0" err="1" smtClean="0"/>
-              <a:t>necessary</a:t>
-            </a:r>
-            <a:r>
-              <a:rPr lang="de-DE" dirty="0" smtClean="0"/>
-              <a:t> </a:t>
-            </a:r>
-            <a:r>
-              <a:rPr lang="de-DE" dirty="0" err="1" smtClean="0"/>
-              <a:t>packages</a:t>
-            </a:r>
-            <a:r>
-              <a:rPr lang="de-DE" dirty="0" smtClean="0"/>
-              <a:t>, links, ..) in </a:t>
-            </a:r>
-            <a:r>
-              <a:rPr lang="de-DE" dirty="0" err="1" smtClean="0"/>
-              <a:t>advance</a:t>
-            </a:r>
-            <a:r>
-              <a:rPr lang="de-DE" dirty="0" smtClean="0"/>
-              <a:t> (</a:t>
-            </a:r>
-            <a:r>
-              <a:rPr lang="de-DE" dirty="0" err="1" smtClean="0"/>
-              <a:t>by</a:t>
-            </a:r>
-            <a:r>
-              <a:rPr lang="de-DE" dirty="0" smtClean="0"/>
-              <a:t> </a:t>
-            </a:r>
-            <a:r>
-              <a:rPr lang="de-DE" dirty="0" err="1" smtClean="0"/>
-              <a:t>Monday</a:t>
-            </a:r>
-            <a:r>
-              <a:rPr lang="de-DE" dirty="0" smtClean="0"/>
-              <a:t> </a:t>
-            </a:r>
-            <a:r>
-              <a:rPr lang="de-DE" dirty="0" err="1" smtClean="0"/>
-              <a:t>night</a:t>
-            </a:r>
-            <a:r>
-              <a:rPr lang="de-DE" dirty="0" smtClean="0"/>
-              <a:t>..)</a:t>
-            </a:r>
-          </a:p>
-          <a:p>
-            <a:r>
-              <a:rPr lang="de-DE" dirty="0" err="1" smtClean="0"/>
-              <a:t>Provide</a:t>
-            </a:r>
-            <a:r>
-              <a:rPr lang="de-DE" dirty="0" smtClean="0"/>
-              <a:t> </a:t>
-            </a:r>
-            <a:r>
-              <a:rPr lang="de-DE" dirty="0" err="1" smtClean="0"/>
-              <a:t>session</a:t>
-            </a:r>
-            <a:r>
-              <a:rPr lang="de-DE" dirty="0" smtClean="0"/>
-              <a:t> material (</a:t>
-            </a:r>
-            <a:r>
-              <a:rPr lang="de-DE" dirty="0" err="1" smtClean="0"/>
-              <a:t>code</a:t>
-            </a:r>
-            <a:r>
-              <a:rPr lang="de-DE" dirty="0" smtClean="0"/>
-              <a:t>, </a:t>
-            </a:r>
-            <a:r>
-              <a:rPr lang="de-DE" dirty="0" err="1" smtClean="0"/>
-              <a:t>presentation</a:t>
-            </a:r>
-            <a:r>
-              <a:rPr lang="de-DE" dirty="0" smtClean="0"/>
-              <a:t>,..) </a:t>
-            </a:r>
-          </a:p>
-          <a:p>
-            <a:endParaRPr lang="de-DE" dirty="0" smtClean="0"/>
-          </a:p>
-          <a:p>
-            <a:pPr marL="0" indent="0">
-              <a:buNone/>
-            </a:pPr>
-            <a:r>
-              <a:rPr lang="de-DE" b="1" dirty="0" smtClean="0"/>
-              <a:t>R </a:t>
-            </a:r>
-            <a:r>
-              <a:rPr lang="de-DE" b="1" dirty="0" err="1" smtClean="0"/>
-              <a:t>Roundtable</a:t>
-            </a:r>
-            <a:r>
-              <a:rPr lang="de-DE" b="1" dirty="0" smtClean="0"/>
-              <a:t> </a:t>
-            </a:r>
-            <a:r>
-              <a:rPr lang="de-DE" b="1" dirty="0" err="1" smtClean="0"/>
-              <a:t>Github</a:t>
-            </a:r>
-            <a:r>
-              <a:rPr lang="de-DE" b="1" dirty="0" smtClean="0"/>
-              <a:t> </a:t>
-            </a:r>
-            <a:r>
-              <a:rPr lang="de-DE" b="1" dirty="0" err="1" smtClean="0"/>
-              <a:t>page</a:t>
-            </a:r>
-            <a:endParaRPr lang="de-DE" b="1" dirty="0" smtClean="0"/>
-          </a:p>
-          <a:p>
-            <a:pPr marL="0" indent="0">
-              <a:buNone/>
-            </a:pPr>
-            <a:r>
-              <a:rPr lang="de-DE" dirty="0" smtClean="0">
-                <a:hlinkClick r:id="rId2"/>
-              </a:rPr>
-              <a:t>https</a:t>
-            </a:r>
-            <a:r>
-              <a:rPr lang="de-DE" dirty="0">
-                <a:hlinkClick r:id="rId2"/>
-              </a:rPr>
-              <a:t>://</a:t>
-            </a:r>
-            <a:r>
-              <a:rPr lang="de-DE" dirty="0" smtClean="0">
-                <a:hlinkClick r:id="rId2"/>
-              </a:rPr>
-              <a:t>github.com/dbahlburg/R_Roundtable</a:t>
-            </a:r>
-            <a:r>
-              <a:rPr lang="de-DE" dirty="0" smtClean="0"/>
-              <a:t> </a:t>
-            </a:r>
-          </a:p>
-          <a:p>
             <a:endParaRPr lang="en-GB" dirty="0"/>
           </a:p>
         </p:txBody>
@@ -6676,7 +6083,7 @@
     </p:spTree>
     <p:extLst>
       <p:ext uri="{BB962C8B-B14F-4D97-AF65-F5344CB8AC3E}">
-        <p14:creationId xmlns:p14="http://schemas.microsoft.com/office/powerpoint/2010/main" val="3801511252"/>
+        <p14:creationId xmlns:p14="http://schemas.microsoft.com/office/powerpoint/2010/main" xmlns="" val="275631222"/>
       </p:ext>
     </p:extLst>
   </p:cSld>
@@ -6719,102 +6126,144 @@
           <a:lstStyle/>
           <a:p>
             <a:r>
+              <a:rPr lang="de-DE" dirty="0" smtClean="0"/>
+              <a:t>Setup </a:t>
+            </a:r>
+            <a:r>
+              <a:rPr lang="de-DE" dirty="0" err="1" smtClean="0"/>
+              <a:t>of</a:t>
+            </a:r>
+            <a:r>
+              <a:rPr lang="de-DE" dirty="0" smtClean="0"/>
+              <a:t> </a:t>
+            </a:r>
+            <a:r>
               <a:rPr lang="de-DE" dirty="0" err="1" smtClean="0"/>
               <a:t>Github</a:t>
             </a:r>
             <a:r>
               <a:rPr lang="de-DE" dirty="0" smtClean="0"/>
+              <a:t> on a Mac</a:t>
+            </a:r>
+            <a:endParaRPr lang="en-GB" dirty="0"/>
+          </a:p>
+        </p:txBody>
+      </p:sp>
+      <p:sp>
+        <p:nvSpPr>
+          <p:cNvPr id="5" name="Textfeld 4"/>
+          <p:cNvSpPr txBox="1"/>
+          <p:nvPr/>
+        </p:nvSpPr>
+        <p:spPr>
+          <a:xfrm>
+            <a:off x="838200" y="1950123"/>
+            <a:ext cx="10363200" cy="2031325"/>
+          </a:xfrm>
+          <a:prstGeom prst="rect">
+            <a:avLst/>
+          </a:prstGeom>
+          <a:noFill/>
+        </p:spPr>
+        <p:txBody>
+          <a:bodyPr wrap="square" rtlCol="0">
+            <a:spAutoFit/>
+          </a:bodyPr>
+          <a:lstStyle/>
+          <a:p>
+            <a:r>
+              <a:rPr lang="en-US" altLang="en-US" dirty="0" smtClean="0">
+                <a:latin typeface="Arial" panose="020B0604020202020204" pitchFamily="34" charset="0"/>
+              </a:rPr>
+              <a:t>The </a:t>
+            </a:r>
+            <a:r>
+              <a:rPr lang="en-US" altLang="en-US" dirty="0">
+                <a:latin typeface="Arial" panose="020B0604020202020204" pitchFamily="34" charset="0"/>
+              </a:rPr>
+              <a:t>default shell in all versions of Mac OS X is Bash, so no need to install anything. You access Bash from the Terminal (found in </a:t>
+            </a:r>
+            <a:r>
+              <a:rPr lang="en-US" altLang="en-US" dirty="0">
+                <a:latin typeface="Arial Unicode MS" panose="020B0604020202020204" pitchFamily="34" charset="-128"/>
+              </a:rPr>
+              <a:t>/Applications/Utilities</a:t>
+            </a:r>
+            <a:r>
+              <a:rPr lang="en-US" altLang="en-US" dirty="0"/>
+              <a:t>). </a:t>
+            </a:r>
+            <a:endParaRPr lang="en-US" altLang="en-US" dirty="0" smtClean="0"/>
+          </a:p>
+          <a:p>
+            <a:endParaRPr lang="en-US" altLang="en-US" dirty="0"/>
+          </a:p>
+          <a:p>
+            <a:endParaRPr lang="en-US" altLang="en-US" dirty="0" smtClean="0"/>
+          </a:p>
+          <a:p>
+            <a:r>
+              <a:rPr lang="en-US" altLang="en-US" b="1" dirty="0">
+                <a:latin typeface="Arial" panose="020B0604020202020204" pitchFamily="34" charset="0"/>
+              </a:rPr>
+              <a:t>For OS X 10.9 and higher</a:t>
+            </a:r>
+            <a:r>
+              <a:rPr lang="en-US" altLang="en-US" dirty="0">
+                <a:latin typeface="Arial" panose="020B0604020202020204" pitchFamily="34" charset="0"/>
+              </a:rPr>
+              <a:t>, install </a:t>
+            </a:r>
+            <a:r>
+              <a:rPr lang="en-US" altLang="en-US" dirty="0" err="1">
+                <a:latin typeface="Arial" panose="020B0604020202020204" pitchFamily="34" charset="0"/>
+              </a:rPr>
+              <a:t>Git</a:t>
+            </a:r>
+            <a:r>
+              <a:rPr lang="en-US" altLang="en-US" dirty="0">
+                <a:latin typeface="Arial" panose="020B0604020202020204" pitchFamily="34" charset="0"/>
+              </a:rPr>
+              <a:t> for Mac by downloading and running the most recent "mavericks" installer from </a:t>
+            </a:r>
+            <a:r>
+              <a:rPr lang="en-US" altLang="en-US" dirty="0" smtClean="0">
+                <a:latin typeface="Arial" panose="020B0604020202020204" pitchFamily="34" charset="0"/>
+              </a:rPr>
+              <a:t>here:</a:t>
+            </a:r>
+          </a:p>
+          <a:p>
+            <a:r>
+              <a:rPr lang="en-US" altLang="en-US" dirty="0">
+                <a:latin typeface="Arial" panose="020B0604020202020204" pitchFamily="34" charset="0"/>
+                <a:hlinkClick r:id="rId2"/>
+              </a:rPr>
+              <a:t>https://sourceforge.net/projects/git-osx-installer/files</a:t>
+            </a:r>
+            <a:r>
+              <a:rPr lang="en-US" altLang="en-US" dirty="0" smtClean="0">
+                <a:latin typeface="Arial" panose="020B0604020202020204" pitchFamily="34" charset="0"/>
+                <a:hlinkClick r:id="rId2"/>
+              </a:rPr>
+              <a:t>/</a:t>
+            </a:r>
+            <a:r>
+              <a:rPr lang="en-US" altLang="en-US" dirty="0" smtClean="0">
+                <a:latin typeface="Arial" panose="020B0604020202020204" pitchFamily="34" charset="0"/>
+              </a:rPr>
               <a:t> </a:t>
             </a:r>
-            <a:r>
-              <a:rPr lang="de-DE" dirty="0" err="1" smtClean="0"/>
-              <a:t>help</a:t>
-            </a:r>
-            <a:r>
-              <a:rPr lang="de-DE" dirty="0" smtClean="0"/>
-              <a:t> </a:t>
-            </a:r>
-            <a:r>
-              <a:rPr lang="de-DE" dirty="0" err="1" smtClean="0"/>
-              <a:t>pages</a:t>
-            </a:r>
-            <a:r>
-              <a:rPr lang="de-DE" dirty="0" smtClean="0"/>
-              <a:t> ..</a:t>
-            </a:r>
-            <a:endParaRPr lang="en-GB" dirty="0"/>
-          </a:p>
-        </p:txBody>
-      </p:sp>
-      <p:sp>
-        <p:nvSpPr>
-          <p:cNvPr id="3" name="Inhaltsplatzhalter 2"/>
-          <p:cNvSpPr>
-            <a:spLocks noGrp="1"/>
-          </p:cNvSpPr>
-          <p:nvPr>
-            <p:ph idx="1"/>
-          </p:nvPr>
-        </p:nvSpPr>
-        <p:spPr/>
-        <p:txBody>
-          <a:bodyPr/>
-          <a:lstStyle/>
-          <a:p>
-            <a:r>
-              <a:rPr lang="en-GB" dirty="0">
-                <a:hlinkClick r:id="rId2"/>
-              </a:rPr>
-              <a:t>https://guides.github.com/activities/hello-world</a:t>
-            </a:r>
-            <a:r>
-              <a:rPr lang="en-GB" dirty="0" smtClean="0">
-                <a:hlinkClick r:id="rId2"/>
-              </a:rPr>
-              <a:t>/</a:t>
-            </a:r>
-            <a:endParaRPr lang="en-GB" dirty="0" smtClean="0"/>
-          </a:p>
-          <a:p>
-            <a:r>
-              <a:rPr lang="en-GB" dirty="0">
-                <a:hlinkClick r:id="rId3"/>
-              </a:rPr>
-              <a:t>https://guides.github.com/introduction/flow</a:t>
-            </a:r>
-            <a:r>
-              <a:rPr lang="en-GB" dirty="0" smtClean="0">
-                <a:hlinkClick r:id="rId3"/>
-              </a:rPr>
-              <a:t>/</a:t>
-            </a:r>
-            <a:endParaRPr lang="en-GB" dirty="0" smtClean="0"/>
-          </a:p>
-          <a:p>
-            <a:r>
-              <a:rPr lang="en-GB" dirty="0">
-                <a:hlinkClick r:id="rId4"/>
-              </a:rPr>
-              <a:t>https://guides.github.com/features/wikis</a:t>
-            </a:r>
-            <a:r>
-              <a:rPr lang="en-GB" dirty="0" smtClean="0">
-                <a:hlinkClick r:id="rId4"/>
-              </a:rPr>
-              <a:t>/</a:t>
-            </a:r>
-            <a:r>
-              <a:rPr lang="en-GB" dirty="0" smtClean="0"/>
-              <a:t> </a:t>
-            </a:r>
-            <a:endParaRPr lang="en-GB" dirty="0"/>
+            <a:endParaRPr lang="en-US" altLang="en-US" dirty="0">
+              <a:latin typeface="Arial" panose="020B0604020202020204" pitchFamily="34" charset="0"/>
+            </a:endParaRPr>
           </a:p>
         </p:txBody>
       </p:sp>
     </p:spTree>
     <p:extLst>
       <p:ext uri="{BB962C8B-B14F-4D97-AF65-F5344CB8AC3E}">
-        <p14:creationId xmlns:p14="http://schemas.microsoft.com/office/powerpoint/2010/main" val="275631222"/>
+        <p14:creationId xmlns:p14="http://schemas.microsoft.com/office/powerpoint/2010/main" xmlns="" val="2479509246"/>
       </p:ext>
     </p:extLst>
   </p:cSld>
@@ -6867,7 +6316,7 @@
     </a:clrScheme>
     <a:fontScheme name="Office">
       <a:majorFont>
-        <a:latin typeface="Calibri Light" panose="020F0302020204030204"/>
+        <a:latin typeface="Calibri Light"/>
         <a:ea typeface=""/>
         <a:cs typeface=""/>
         <a:font script="Jpan" typeface="ＭＳ Ｐゴシック"/>
@@ -6902,7 +6351,7 @@
         <a:font script="Geor" typeface="Sylfaen"/>
       </a:majorFont>
       <a:minorFont>
-        <a:latin typeface="Calibri" panose="020F0502020204030204"/>
+        <a:latin typeface="Calibri"/>
         <a:ea typeface=""/>
         <a:cs typeface=""/>
         <a:font script="Jpan" typeface="ＭＳ Ｐゴシック"/>
@@ -7079,7 +6528,7 @@
   <a:extraClrSchemeLst/>
   <a:extLst>
     <a:ext uri="{05A4C25C-085E-4340-85A3-A5531E510DB2}">
-      <thm15:themeFamily xmlns:thm15="http://schemas.microsoft.com/office/thememl/2012/main" name="Office Theme" id="{62F939B6-93AF-4DB8-9C6B-D6C7DFDC589F}" vid="{4A3C46E8-61CC-4603-A589-7422A47A8E4A}"/>
+      <thm15:themeFamily xmlns:thm15="http://schemas.microsoft.com/office/thememl/2012/main" xmlns="" name="Office Theme" id="{62F939B6-93AF-4DB8-9C6B-D6C7DFDC589F}" vid="{4A3C46E8-61CC-4603-A589-7422A47A8E4A}"/>
     </a:ext>
   </a:extLst>
 </a:theme>
